--- a/2024/Lec/Юнит 7 - предсказание скользящим сглаживанием.pptx
+++ b/2024/Lec/Юнит 7 - предсказание скользящим сглаживанием.pptx
@@ -5,7 +5,7 @@
     <p:sldMasterId id="2147483648" r:id="rId1"/>
   </p:sldMasterIdLst>
   <p:notesMasterIdLst>
-    <p:notesMasterId r:id="rId22"/>
+    <p:notesMasterId r:id="rId20"/>
   </p:notesMasterIdLst>
   <p:sldIdLst>
     <p:sldId id="365" r:id="rId2"/>
@@ -26,8 +26,6 @@
     <p:sldId id="377" r:id="rId17"/>
     <p:sldId id="378" r:id="rId18"/>
     <p:sldId id="379" r:id="rId19"/>
-    <p:sldId id="384" r:id="rId20"/>
-    <p:sldId id="385" r:id="rId21"/>
   </p:sldIdLst>
   <p:sldSz cx="12192000" cy="6858000"/>
   <p:notesSz cx="6858000" cy="9144000"/>
@@ -216,7 +214,7 @@
           <a:p>
             <a:fld id="{C730246F-5962-E14A-AAF2-985CCFDAC345}" type="datetimeFigureOut">
               <a:rPr lang="ru-RU" smtClean="0"/>
-              <a:t>03.10.2023</a:t>
+              <a:t>21.02.2024</a:t>
             </a:fld>
             <a:endParaRPr lang="ru-RU"/>
           </a:p>
@@ -968,7 +966,7 @@
           <a:p>
             <a:fld id="{44343DC6-30E4-4569-999A-C703F926F2AF}" type="datetimeFigureOut">
               <a:rPr lang="en-US" smtClean="0"/>
-              <a:t>10/3/23</a:t>
+              <a:t>2/21/2024</a:t>
             </a:fld>
             <a:endParaRPr lang="en-US"/>
           </a:p>
@@ -1168,7 +1166,7 @@
           <a:p>
             <a:fld id="{44343DC6-30E4-4569-999A-C703F926F2AF}" type="datetimeFigureOut">
               <a:rPr lang="en-US" smtClean="0"/>
-              <a:t>10/3/23</a:t>
+              <a:t>2/21/2024</a:t>
             </a:fld>
             <a:endParaRPr lang="en-US"/>
           </a:p>
@@ -1378,7 +1376,7 @@
           <a:p>
             <a:fld id="{44343DC6-30E4-4569-999A-C703F926F2AF}" type="datetimeFigureOut">
               <a:rPr lang="en-US" smtClean="0"/>
-              <a:t>10/3/23</a:t>
+              <a:t>2/21/2024</a:t>
             </a:fld>
             <a:endParaRPr lang="en-US"/>
           </a:p>
@@ -1578,7 +1576,7 @@
           <a:p>
             <a:fld id="{44343DC6-30E4-4569-999A-C703F926F2AF}" type="datetimeFigureOut">
               <a:rPr lang="en-US" smtClean="0"/>
-              <a:t>10/3/23</a:t>
+              <a:t>2/21/2024</a:t>
             </a:fld>
             <a:endParaRPr lang="en-US"/>
           </a:p>
@@ -1854,7 +1852,7 @@
           <a:p>
             <a:fld id="{44343DC6-30E4-4569-999A-C703F926F2AF}" type="datetimeFigureOut">
               <a:rPr lang="en-US" smtClean="0"/>
-              <a:t>10/3/23</a:t>
+              <a:t>2/21/2024</a:t>
             </a:fld>
             <a:endParaRPr lang="en-US"/>
           </a:p>
@@ -2122,7 +2120,7 @@
           <a:p>
             <a:fld id="{44343DC6-30E4-4569-999A-C703F926F2AF}" type="datetimeFigureOut">
               <a:rPr lang="en-US" smtClean="0"/>
-              <a:t>10/3/23</a:t>
+              <a:t>2/21/2024</a:t>
             </a:fld>
             <a:endParaRPr lang="en-US"/>
           </a:p>
@@ -2537,7 +2535,7 @@
           <a:p>
             <a:fld id="{44343DC6-30E4-4569-999A-C703F926F2AF}" type="datetimeFigureOut">
               <a:rPr lang="en-US" smtClean="0"/>
-              <a:t>10/3/23</a:t>
+              <a:t>2/21/2024</a:t>
             </a:fld>
             <a:endParaRPr lang="en-US"/>
           </a:p>
@@ -2679,7 +2677,7 @@
           <a:p>
             <a:fld id="{44343DC6-30E4-4569-999A-C703F926F2AF}" type="datetimeFigureOut">
               <a:rPr lang="en-US" smtClean="0"/>
-              <a:t>10/3/23</a:t>
+              <a:t>2/21/2024</a:t>
             </a:fld>
             <a:endParaRPr lang="en-US"/>
           </a:p>
@@ -2792,7 +2790,7 @@
           <a:p>
             <a:fld id="{44343DC6-30E4-4569-999A-C703F926F2AF}" type="datetimeFigureOut">
               <a:rPr lang="en-US" smtClean="0"/>
-              <a:t>10/3/23</a:t>
+              <a:t>2/21/2024</a:t>
             </a:fld>
             <a:endParaRPr lang="en-US"/>
           </a:p>
@@ -3105,7 +3103,7 @@
           <a:p>
             <a:fld id="{44343DC6-30E4-4569-999A-C703F926F2AF}" type="datetimeFigureOut">
               <a:rPr lang="en-US" smtClean="0"/>
-              <a:t>10/3/23</a:t>
+              <a:t>2/21/2024</a:t>
             </a:fld>
             <a:endParaRPr lang="en-US"/>
           </a:p>
@@ -3394,7 +3392,7 @@
           <a:p>
             <a:fld id="{44343DC6-30E4-4569-999A-C703F926F2AF}" type="datetimeFigureOut">
               <a:rPr lang="en-US" smtClean="0"/>
-              <a:t>10/3/23</a:t>
+              <a:t>2/21/2024</a:t>
             </a:fld>
             <a:endParaRPr lang="en-US"/>
           </a:p>
@@ -3637,7 +3635,7 @@
           <a:p>
             <a:fld id="{44343DC6-30E4-4569-999A-C703F926F2AF}" type="datetimeFigureOut">
               <a:rPr lang="en-US" smtClean="0"/>
-              <a:t>10/3/23</a:t>
+              <a:t>2/21/2024</a:t>
             </a:fld>
             <a:endParaRPr lang="en-US"/>
           </a:p>
@@ -4122,6 +4120,13 @@
   <p:clrMapOvr>
     <a:masterClrMapping/>
   </p:clrMapOvr>
+  <p:timing>
+    <p:tnLst>
+      <p:par>
+        <p:cTn id="1" dur="indefinite" restart="never" nodeType="tmRoot"/>
+      </p:par>
+    </p:tnLst>
+  </p:timing>
 </p:sld>
 </file>
 
@@ -4287,6 +4292,13 @@
   <p:clrMapOvr>
     <a:masterClrMapping/>
   </p:clrMapOvr>
+  <p:timing>
+    <p:tnLst>
+      <p:par>
+        <p:cTn id="1" dur="indefinite" restart="never" nodeType="tmRoot"/>
+      </p:par>
+    </p:tnLst>
+  </p:timing>
 </p:sld>
 </file>
 
@@ -4475,6 +4487,13 @@
   <p:clrMapOvr>
     <a:masterClrMapping/>
   </p:clrMapOvr>
+  <p:timing>
+    <p:tnLst>
+      <p:par>
+        <p:cTn id="1" dur="indefinite" restart="never" nodeType="tmRoot"/>
+      </p:par>
+    </p:tnLst>
+  </p:timing>
 </p:sld>
 </file>
 
@@ -4682,6 +4701,13 @@
   <p:clrMapOvr>
     <a:masterClrMapping/>
   </p:clrMapOvr>
+  <p:timing>
+    <p:tnLst>
+      <p:par>
+        <p:cTn id="1" dur="indefinite" restart="never" nodeType="tmRoot"/>
+      </p:par>
+    </p:tnLst>
+  </p:timing>
 </p:sld>
 </file>
 
@@ -4983,6 +5009,13 @@
   <p:clrMapOvr>
     <a:masterClrMapping/>
   </p:clrMapOvr>
+  <p:timing>
+    <p:tnLst>
+      <p:par>
+        <p:cTn id="1" dur="indefinite" restart="never" nodeType="tmRoot"/>
+      </p:par>
+    </p:tnLst>
+  </p:timing>
 </p:sld>
 </file>
 
@@ -5168,6 +5201,14 @@
   <p:clrMapOvr>
     <a:masterClrMapping/>
   </p:clrMapOvr>
+  <mc:AlternateContent xmlns:mc="http://schemas.openxmlformats.org/markup-compatibility/2006">
+    <mc:Choice xmlns:p14="http://schemas.microsoft.com/office/powerpoint/2010/main" Requires="p14">
+      <p:transition spd="slow" p14:dur="2000"/>
+    </mc:Choice>
+    <mc:Fallback>
+      <p:transition spd="slow"/>
+    </mc:Fallback>
+  </mc:AlternateContent>
 </p:sld>
 </file>
 
@@ -5270,6 +5311,13 @@
   <p:clrMapOvr>
     <a:masterClrMapping/>
   </p:clrMapOvr>
+  <p:timing>
+    <p:tnLst>
+      <p:par>
+        <p:cTn id="1" dur="indefinite" restart="never" nodeType="tmRoot"/>
+      </p:par>
+    </p:tnLst>
+  </p:timing>
 </p:sld>
 </file>
 
@@ -5490,6 +5538,13 @@
   <p:clrMapOvr>
     <a:masterClrMapping/>
   </p:clrMapOvr>
+  <p:timing>
+    <p:tnLst>
+      <p:par>
+        <p:cTn id="1" dur="indefinite" restart="never" nodeType="tmRoot"/>
+      </p:par>
+    </p:tnLst>
+  </p:timing>
 </p:sld>
 </file>
 
@@ -5708,6 +5763,13 @@
   <p:clrMapOvr>
     <a:masterClrMapping/>
   </p:clrMapOvr>
+  <p:timing>
+    <p:tnLst>
+      <p:par>
+        <p:cTn id="1" dur="indefinite" restart="never" nodeType="tmRoot"/>
+      </p:par>
+    </p:tnLst>
+  </p:timing>
 </p:sld>
 </file>
 
@@ -5926,1328 +5988,13 @@
   <p:clrMapOvr>
     <a:masterClrMapping/>
   </p:clrMapOvr>
-</p:sld>
-</file>
-
-<file path=ppt/slides/slide19.xml><?xml version="1.0" encoding="utf-8"?>
-<p:sld xmlns:a="http://schemas.openxmlformats.org/drawingml/2006/main" xmlns:r="http://schemas.openxmlformats.org/officeDocument/2006/relationships" xmlns:p="http://schemas.openxmlformats.org/presentationml/2006/main">
-  <p:cSld>
-    <p:spTree>
-      <p:nvGrpSpPr>
-        <p:cNvPr id="1" name=""/>
-        <p:cNvGrpSpPr/>
-        <p:nvPr/>
-      </p:nvGrpSpPr>
-      <p:grpSpPr>
-        <a:xfrm>
-          <a:off x="0" y="0"/>
-          <a:ext cx="0" cy="0"/>
-          <a:chOff x="0" y="0"/>
-          <a:chExt cx="0" cy="0"/>
-        </a:xfrm>
-      </p:grpSpPr>
-      <p:sp>
-        <p:nvSpPr>
-          <p:cNvPr id="2" name="Заголовок 1">
-            <a:extLst>
-              <a:ext uri="{FF2B5EF4-FFF2-40B4-BE49-F238E27FC236}">
-                <a16:creationId xmlns:a16="http://schemas.microsoft.com/office/drawing/2014/main" id="{E5E18C16-493F-C0F6-1226-B953C44BB2B9}"/>
-              </a:ext>
-            </a:extLst>
-          </p:cNvPr>
-          <p:cNvSpPr>
-            <a:spLocks noGrp="1"/>
-          </p:cNvSpPr>
-          <p:nvPr>
-            <p:ph type="title"/>
-          </p:nvPr>
-        </p:nvSpPr>
-        <p:spPr>
-          <a:xfrm>
-            <a:off x="425824" y="0"/>
-            <a:ext cx="10515600" cy="1325563"/>
-          </a:xfrm>
-        </p:spPr>
-        <p:txBody>
-          <a:bodyPr>
-            <a:normAutofit/>
-          </a:bodyPr>
-          <a:lstStyle/>
-          <a:p>
-            <a:r>
-              <a:rPr lang="ru-RU" sz="4800" b="1" dirty="0"/>
-              <a:t>Вопросы Базовые 1й верно</a:t>
-            </a:r>
-          </a:p>
-        </p:txBody>
-      </p:sp>
-      <mc:AlternateContent xmlns:mc="http://schemas.openxmlformats.org/markup-compatibility/2006" xmlns:a14="http://schemas.microsoft.com/office/drawing/2010/main">
-        <mc:Choice Requires="a14">
-          <p:sp>
-            <p:nvSpPr>
-              <p:cNvPr id="3" name="Объект 2">
-                <a:extLst>
-                  <a:ext uri="{FF2B5EF4-FFF2-40B4-BE49-F238E27FC236}">
-                    <a16:creationId xmlns:a16="http://schemas.microsoft.com/office/drawing/2014/main" id="{BE421393-E6D9-4C04-F323-217F01E33B93}"/>
-                  </a:ext>
-                </a:extLst>
-              </p:cNvPr>
-              <p:cNvSpPr>
-                <a:spLocks noGrp="1"/>
-              </p:cNvSpPr>
-              <p:nvPr>
-                <p:ph idx="1"/>
-              </p:nvPr>
-            </p:nvSpPr>
-            <p:spPr>
-              <a:xfrm>
-                <a:off x="506506" y="1129096"/>
-                <a:ext cx="10515600" cy="5135887"/>
-              </a:xfrm>
-            </p:spPr>
-            <p:txBody>
-              <a:bodyPr>
-                <a:normAutofit fontScale="85000" lnSpcReduction="20000"/>
-              </a:bodyPr>
-              <a:lstStyle/>
-              <a:p>
-                <a:r>
-                  <a:rPr lang="ru-RU" sz="2000" b="1" dirty="0"/>
-                  <a:t>Наивное предсказание</a:t>
-                </a:r>
-                <a:r>
-                  <a:rPr lang="ru-RU" sz="2300" b="1" dirty="0">
-                    <a:ea typeface="Calibri" panose="020F0502020204030204" pitchFamily="34" charset="0"/>
-                    <a:cs typeface="Times New Roman" panose="02020603050405020304" pitchFamily="18" charset="0"/>
-                  </a:rPr>
-                  <a:t> — </a:t>
-                </a:r>
-                <a:r>
-                  <a:rPr lang="ru-RU" sz="2300" dirty="0">
-                    <a:ea typeface="Calibri" panose="020F0502020204030204" pitchFamily="34" charset="0"/>
-                    <a:cs typeface="Times New Roman" panose="02020603050405020304" pitchFamily="18" charset="0"/>
-                  </a:rPr>
-                  <a:t>это </a:t>
-                </a:r>
-              </a:p>
-              <a:p>
-                <a:pPr marL="514350" indent="-514350">
-                  <a:buFont typeface="+mj-lt"/>
-                  <a:buAutoNum type="arabicPeriod"/>
-                </a:pPr>
-                <a14:m>
-                  <m:oMath xmlns:m="http://schemas.openxmlformats.org/officeDocument/2006/math">
-                    <m:acc>
-                      <m:accPr>
-                        <m:chr m:val="̂"/>
-                        <m:ctrlPr>
-                          <a:rPr lang="en-US" sz="2400" i="1" dirty="0">
-                            <a:latin typeface="Cambria Math" panose="02040503050406030204" pitchFamily="18" charset="0"/>
-                          </a:rPr>
-                        </m:ctrlPr>
-                      </m:accPr>
-                      <m:e>
-                        <m:r>
-                          <a:rPr lang="en-US" sz="2400" i="1" dirty="0">
-                            <a:latin typeface="Cambria Math" panose="02040503050406030204" pitchFamily="18" charset="0"/>
-                          </a:rPr>
-                          <m:t>𝑦</m:t>
-                        </m:r>
-                      </m:e>
-                    </m:acc>
-                    <m:r>
-                      <a:rPr lang="en-US" sz="2400" i="1" dirty="0">
-                        <a:latin typeface="Cambria Math" panose="02040503050406030204" pitchFamily="18" charset="0"/>
-                      </a:rPr>
-                      <m:t>(</m:t>
-                    </m:r>
-                    <m:r>
-                      <a:rPr lang="en-US" sz="2400" b="0" i="1" dirty="0" smtClean="0">
-                        <a:latin typeface="Cambria Math" panose="02040503050406030204" pitchFamily="18" charset="0"/>
-                      </a:rPr>
-                      <m:t>𝑡</m:t>
-                    </m:r>
-                    <m:r>
-                      <a:rPr lang="ru-RU" sz="2400" i="1" dirty="0">
-                        <a:latin typeface="Cambria Math" panose="02040503050406030204" pitchFamily="18" charset="0"/>
-                      </a:rPr>
-                      <m:t>+</m:t>
-                    </m:r>
-                    <m:r>
-                      <a:rPr lang="en-US" sz="2400" i="1" dirty="0">
-                        <a:latin typeface="Cambria Math" panose="02040503050406030204" pitchFamily="18" charset="0"/>
-                      </a:rPr>
-                      <m:t>h</m:t>
-                    </m:r>
-                    <m:r>
-                      <a:rPr lang="en-US" sz="2400" i="1" dirty="0">
-                        <a:latin typeface="Cambria Math" panose="02040503050406030204" pitchFamily="18" charset="0"/>
-                      </a:rPr>
-                      <m:t>) = </m:t>
-                    </m:r>
-                    <m:r>
-                      <a:rPr lang="en-US" sz="2400" i="1" dirty="0">
-                        <a:latin typeface="Cambria Math" panose="02040503050406030204" pitchFamily="18" charset="0"/>
-                      </a:rPr>
-                      <m:t>𝑦</m:t>
-                    </m:r>
-                    <m:r>
-                      <a:rPr lang="en-US" sz="2400" i="1" dirty="0">
-                        <a:latin typeface="Cambria Math" panose="02040503050406030204" pitchFamily="18" charset="0"/>
-                      </a:rPr>
-                      <m:t>(</m:t>
-                    </m:r>
-                    <m:r>
-                      <a:rPr lang="en-US" sz="2400" b="0" i="1" dirty="0" smtClean="0">
-                        <a:latin typeface="Cambria Math" panose="02040503050406030204" pitchFamily="18" charset="0"/>
-                      </a:rPr>
-                      <m:t>𝑡</m:t>
-                    </m:r>
-                    <m:r>
-                      <a:rPr lang="en-US" sz="2400" i="1" dirty="0">
-                        <a:latin typeface="Cambria Math" panose="02040503050406030204" pitchFamily="18" charset="0"/>
-                      </a:rPr>
-                      <m:t>)</m:t>
-                    </m:r>
-                  </m:oMath>
-                </a14:m>
-                <a:r>
-                  <a:rPr lang="ru-RU" sz="2300" dirty="0">
-                    <a:ea typeface="Calibri" panose="020F0502020204030204" pitchFamily="34" charset="0"/>
-                    <a:cs typeface="Times New Roman" panose="02020603050405020304" pitchFamily="18" charset="0"/>
-                  </a:rPr>
-                  <a:t>. </a:t>
-                </a:r>
-              </a:p>
-              <a:p>
-                <a:pPr marL="514350" indent="-514350">
-                  <a:buFont typeface="+mj-lt"/>
-                  <a:buAutoNum type="arabicPeriod"/>
-                </a:pPr>
-                <a14:m>
-                  <m:oMath xmlns:m="http://schemas.openxmlformats.org/officeDocument/2006/math">
-                    <m:acc>
-                      <m:accPr>
-                        <m:chr m:val="̂"/>
-                        <m:ctrlPr>
-                          <a:rPr lang="en-US" sz="2000" i="1">
-                            <a:latin typeface="Cambria Math" panose="02040503050406030204" pitchFamily="18" charset="0"/>
-                          </a:rPr>
-                        </m:ctrlPr>
-                      </m:accPr>
-                      <m:e>
-                        <m:r>
-                          <a:rPr lang="en-US" sz="2000" i="1">
-                            <a:latin typeface="Cambria Math" panose="02040503050406030204" pitchFamily="18" charset="0"/>
-                          </a:rPr>
-                          <m:t>𝑦</m:t>
-                        </m:r>
-                      </m:e>
-                    </m:acc>
-                    <m:r>
-                      <a:rPr lang="en-US" sz="2000" i="1" dirty="0">
-                        <a:latin typeface="Cambria Math" panose="02040503050406030204" pitchFamily="18" charset="0"/>
-                      </a:rPr>
-                      <m:t>(</m:t>
-                    </m:r>
-                    <m:r>
-                      <a:rPr lang="en-US" sz="2000" i="1" dirty="0">
-                        <a:latin typeface="Cambria Math" panose="02040503050406030204" pitchFamily="18" charset="0"/>
-                      </a:rPr>
-                      <m:t>𝑡</m:t>
-                    </m:r>
-                    <m:r>
-                      <a:rPr lang="ru-RU" sz="2000" i="1" dirty="0">
-                        <a:latin typeface="Cambria Math" panose="02040503050406030204" pitchFamily="18" charset="0"/>
-                      </a:rPr>
-                      <m:t>+</m:t>
-                    </m:r>
-                    <m:r>
-                      <a:rPr lang="en-US" sz="2000" b="0" i="1" dirty="0" smtClean="0">
-                        <a:latin typeface="Cambria Math" panose="02040503050406030204" pitchFamily="18" charset="0"/>
-                      </a:rPr>
-                      <m:t>1</m:t>
-                    </m:r>
-                    <m:r>
-                      <a:rPr lang="en-US" sz="2000" i="1" dirty="0">
-                        <a:latin typeface="Cambria Math" panose="02040503050406030204" pitchFamily="18" charset="0"/>
-                      </a:rPr>
-                      <m:t>)</m:t>
-                    </m:r>
-                    <m:r>
-                      <a:rPr lang="en-US" sz="2000" i="1">
-                        <a:latin typeface="Cambria Math" panose="02040503050406030204" pitchFamily="18" charset="0"/>
-                      </a:rPr>
-                      <m:t>=</m:t>
-                    </m:r>
-                    <m:r>
-                      <a:rPr lang="en-US" sz="2000" i="1">
-                        <a:latin typeface="Cambria Math" panose="02040503050406030204" pitchFamily="18" charset="0"/>
-                      </a:rPr>
-                      <m:t>𝛼</m:t>
-                    </m:r>
-                    <m:r>
-                      <a:rPr lang="en-US" sz="2000" i="1">
-                        <a:latin typeface="Cambria Math" panose="02040503050406030204" pitchFamily="18" charset="0"/>
-                      </a:rPr>
-                      <m:t>𝑦</m:t>
-                    </m:r>
-                    <m:r>
-                      <a:rPr lang="en-US" sz="2000" b="0" i="1" smtClean="0">
-                        <a:latin typeface="Cambria Math" panose="02040503050406030204" pitchFamily="18" charset="0"/>
-                      </a:rPr>
-                      <m:t>(</m:t>
-                    </m:r>
-                    <m:r>
-                      <a:rPr lang="en-US" sz="2000" b="0" i="1" smtClean="0">
-                        <a:latin typeface="Cambria Math" panose="02040503050406030204" pitchFamily="18" charset="0"/>
-                      </a:rPr>
-                      <m:t>𝑡</m:t>
-                    </m:r>
-                    <m:r>
-                      <a:rPr lang="en-US" sz="2000" b="0" i="1" smtClean="0">
-                        <a:latin typeface="Cambria Math" panose="02040503050406030204" pitchFamily="18" charset="0"/>
-                      </a:rPr>
-                      <m:t>)+(1−</m:t>
-                    </m:r>
-                    <m:r>
-                      <a:rPr lang="en-US" sz="2000" i="1">
-                        <a:latin typeface="Cambria Math" panose="02040503050406030204" pitchFamily="18" charset="0"/>
-                      </a:rPr>
-                      <m:t>𝛼</m:t>
-                    </m:r>
-                    <m:r>
-                      <a:rPr lang="en-US" sz="2000" i="1">
-                        <a:latin typeface="Cambria Math" panose="02040503050406030204" pitchFamily="18" charset="0"/>
-                      </a:rPr>
-                      <m:t>)</m:t>
-                    </m:r>
-                    <m:acc>
-                      <m:accPr>
-                        <m:chr m:val="̂"/>
-                        <m:ctrlPr>
-                          <a:rPr lang="en-US" sz="2000" i="1">
-                            <a:latin typeface="Cambria Math" panose="02040503050406030204" pitchFamily="18" charset="0"/>
-                          </a:rPr>
-                        </m:ctrlPr>
-                      </m:accPr>
-                      <m:e>
-                        <m:r>
-                          <a:rPr lang="en-US" sz="2000" i="1">
-                            <a:latin typeface="Cambria Math" panose="02040503050406030204" pitchFamily="18" charset="0"/>
-                          </a:rPr>
-                          <m:t>𝑦</m:t>
-                        </m:r>
-                      </m:e>
-                    </m:acc>
-                    <m:r>
-                      <a:rPr lang="en-US" sz="2000" i="1" dirty="0">
-                        <a:latin typeface="Cambria Math" panose="02040503050406030204" pitchFamily="18" charset="0"/>
-                      </a:rPr>
-                      <m:t>(</m:t>
-                    </m:r>
-                    <m:r>
-                      <a:rPr lang="en-US" sz="2000" i="1" dirty="0">
-                        <a:latin typeface="Cambria Math" panose="02040503050406030204" pitchFamily="18" charset="0"/>
-                      </a:rPr>
-                      <m:t>𝑡</m:t>
-                    </m:r>
-                    <m:r>
-                      <a:rPr lang="en-US" sz="2000" i="1" dirty="0">
-                        <a:latin typeface="Cambria Math" panose="02040503050406030204" pitchFamily="18" charset="0"/>
-                      </a:rPr>
-                      <m:t>)</m:t>
-                    </m:r>
-                  </m:oMath>
-                </a14:m>
-                <a:endParaRPr lang="ru-RU" sz="2300" dirty="0">
-                  <a:ea typeface="Calibri" panose="020F0502020204030204" pitchFamily="34" charset="0"/>
-                  <a:cs typeface="Times New Roman" panose="02020603050405020304" pitchFamily="18" charset="0"/>
-                </a:endParaRPr>
-              </a:p>
-              <a:p>
-                <a:pPr marL="514350" indent="-514350">
-                  <a:buFont typeface="+mj-lt"/>
-                  <a:buAutoNum type="arabicPeriod"/>
-                </a:pPr>
-                <a14:m>
-                  <m:oMath xmlns:m="http://schemas.openxmlformats.org/officeDocument/2006/math">
-                    <m:acc>
-                      <m:accPr>
-                        <m:chr m:val="̂"/>
-                        <m:ctrlPr>
-                          <a:rPr lang="en-US" sz="2400" i="1">
-                            <a:latin typeface="Cambria Math" panose="02040503050406030204" pitchFamily="18" charset="0"/>
-                          </a:rPr>
-                        </m:ctrlPr>
-                      </m:accPr>
-                      <m:e>
-                        <m:r>
-                          <a:rPr lang="en-US" sz="2400" i="1">
-                            <a:latin typeface="Cambria Math" panose="02040503050406030204" pitchFamily="18" charset="0"/>
-                          </a:rPr>
-                          <m:t>𝑦</m:t>
-                        </m:r>
-                      </m:e>
-                    </m:acc>
-                    <m:r>
-                      <a:rPr lang="en-US" sz="2400" i="1" dirty="0">
-                        <a:latin typeface="Cambria Math" panose="02040503050406030204" pitchFamily="18" charset="0"/>
-                      </a:rPr>
-                      <m:t>(</m:t>
-                    </m:r>
-                    <m:r>
-                      <a:rPr lang="en-US" sz="2400" i="1" dirty="0">
-                        <a:latin typeface="Cambria Math" panose="02040503050406030204" pitchFamily="18" charset="0"/>
-                      </a:rPr>
-                      <m:t>𝑡</m:t>
-                    </m:r>
-                    <m:r>
-                      <a:rPr lang="ru-RU" sz="2400" i="1" dirty="0">
-                        <a:latin typeface="Cambria Math" panose="02040503050406030204" pitchFamily="18" charset="0"/>
-                      </a:rPr>
-                      <m:t>+</m:t>
-                    </m:r>
-                    <m:r>
-                      <a:rPr lang="en-US" sz="2400" b="0" i="1" dirty="0" smtClean="0">
-                        <a:latin typeface="Cambria Math" panose="02040503050406030204" pitchFamily="18" charset="0"/>
-                      </a:rPr>
-                      <m:t>h</m:t>
-                    </m:r>
-                    <m:r>
-                      <a:rPr lang="en-US" sz="2400" i="1" dirty="0">
-                        <a:latin typeface="Cambria Math" panose="02040503050406030204" pitchFamily="18" charset="0"/>
-                      </a:rPr>
-                      <m:t>)</m:t>
-                    </m:r>
-                    <m:r>
-                      <a:rPr lang="en-US" sz="2400" i="1">
-                        <a:latin typeface="Cambria Math" panose="02040503050406030204" pitchFamily="18" charset="0"/>
-                      </a:rPr>
-                      <m:t>=</m:t>
-                    </m:r>
-                    <m:r>
-                      <a:rPr lang="en-US" sz="2400" i="1">
-                        <a:latin typeface="Cambria Math" panose="02040503050406030204" pitchFamily="18" charset="0"/>
-                      </a:rPr>
-                      <m:t>𝛼</m:t>
-                    </m:r>
-                    <m:r>
-                      <a:rPr lang="en-US" sz="2400" i="1">
-                        <a:latin typeface="Cambria Math" panose="02040503050406030204" pitchFamily="18" charset="0"/>
-                      </a:rPr>
-                      <m:t>𝑦</m:t>
-                    </m:r>
-                    <m:r>
-                      <a:rPr lang="en-US" sz="2400" i="1">
-                        <a:latin typeface="Cambria Math" panose="02040503050406030204" pitchFamily="18" charset="0"/>
-                      </a:rPr>
-                      <m:t>(</m:t>
-                    </m:r>
-                    <m:r>
-                      <a:rPr lang="en-US" sz="2400" i="1">
-                        <a:latin typeface="Cambria Math" panose="02040503050406030204" pitchFamily="18" charset="0"/>
-                      </a:rPr>
-                      <m:t>𝑡</m:t>
-                    </m:r>
-                    <m:r>
-                      <a:rPr lang="en-US" sz="2400" b="0" i="1" smtClean="0">
-                        <a:latin typeface="Cambria Math" panose="02040503050406030204" pitchFamily="18" charset="0"/>
-                      </a:rPr>
-                      <m:t>−</m:t>
-                    </m:r>
-                    <m:r>
-                      <a:rPr lang="en-US" sz="2400" b="0" i="1" smtClean="0">
-                        <a:latin typeface="Cambria Math" panose="02040503050406030204" pitchFamily="18" charset="0"/>
-                      </a:rPr>
-                      <m:t>h</m:t>
-                    </m:r>
-                    <m:r>
-                      <a:rPr lang="en-US" sz="2400" i="1">
-                        <a:latin typeface="Cambria Math" panose="02040503050406030204" pitchFamily="18" charset="0"/>
-                      </a:rPr>
-                      <m:t>)+(1−</m:t>
-                    </m:r>
-                    <m:r>
-                      <a:rPr lang="en-US" sz="2400" i="1">
-                        <a:latin typeface="Cambria Math" panose="02040503050406030204" pitchFamily="18" charset="0"/>
-                      </a:rPr>
-                      <m:t>𝛼</m:t>
-                    </m:r>
-                    <m:r>
-                      <a:rPr lang="en-US" sz="2400" i="1">
-                        <a:latin typeface="Cambria Math" panose="02040503050406030204" pitchFamily="18" charset="0"/>
-                      </a:rPr>
-                      <m:t>)</m:t>
-                    </m:r>
-                    <m:acc>
-                      <m:accPr>
-                        <m:chr m:val="̂"/>
-                        <m:ctrlPr>
-                          <a:rPr lang="en-US" sz="2400" i="1">
-                            <a:latin typeface="Cambria Math" panose="02040503050406030204" pitchFamily="18" charset="0"/>
-                          </a:rPr>
-                        </m:ctrlPr>
-                      </m:accPr>
-                      <m:e>
-                        <m:r>
-                          <a:rPr lang="en-US" sz="2400" i="1">
-                            <a:latin typeface="Cambria Math" panose="02040503050406030204" pitchFamily="18" charset="0"/>
-                          </a:rPr>
-                          <m:t>𝑦</m:t>
-                        </m:r>
-                      </m:e>
-                    </m:acc>
-                    <m:r>
-                      <a:rPr lang="en-US" sz="2400" i="1" dirty="0">
-                        <a:latin typeface="Cambria Math" panose="02040503050406030204" pitchFamily="18" charset="0"/>
-                      </a:rPr>
-                      <m:t>(</m:t>
-                    </m:r>
-                    <m:r>
-                      <a:rPr lang="en-US" sz="2400" i="1" dirty="0">
-                        <a:latin typeface="Cambria Math" panose="02040503050406030204" pitchFamily="18" charset="0"/>
-                      </a:rPr>
-                      <m:t>𝑡</m:t>
-                    </m:r>
-                    <m:r>
-                      <a:rPr lang="en-US" sz="2400" b="0" i="1" dirty="0" smtClean="0">
-                        <a:latin typeface="Cambria Math" panose="02040503050406030204" pitchFamily="18" charset="0"/>
-                      </a:rPr>
-                      <m:t>+2</m:t>
-                    </m:r>
-                    <m:r>
-                      <a:rPr lang="en-US" sz="2400" b="0" i="1" dirty="0" smtClean="0">
-                        <a:latin typeface="Cambria Math" panose="02040503050406030204" pitchFamily="18" charset="0"/>
-                      </a:rPr>
-                      <m:t>h</m:t>
-                    </m:r>
-                    <m:r>
-                      <a:rPr lang="en-US" sz="2400" i="1" dirty="0">
-                        <a:latin typeface="Cambria Math" panose="02040503050406030204" pitchFamily="18" charset="0"/>
-                      </a:rPr>
-                      <m:t>)</m:t>
-                    </m:r>
-                  </m:oMath>
-                </a14:m>
-                <a:endParaRPr lang="ru-RU" dirty="0">
-                  <a:ea typeface="Calibri" panose="020F0502020204030204" pitchFamily="34" charset="0"/>
-                  <a:cs typeface="Times New Roman" panose="02020603050405020304" pitchFamily="18" charset="0"/>
-                </a:endParaRPr>
-              </a:p>
-              <a:p>
-                <a:pPr marL="514350" indent="-514350">
-                  <a:buFont typeface="+mj-lt"/>
-                  <a:buAutoNum type="arabicPeriod"/>
-                </a:pPr>
-                <a14:m>
-                  <m:oMath xmlns:m="http://schemas.openxmlformats.org/officeDocument/2006/math">
-                    <m:acc>
-                      <m:accPr>
-                        <m:chr m:val="̂"/>
-                        <m:ctrlPr>
-                          <a:rPr lang="en-US" sz="2400" i="1" dirty="0">
-                            <a:latin typeface="Cambria Math" panose="02040503050406030204" pitchFamily="18" charset="0"/>
-                          </a:rPr>
-                        </m:ctrlPr>
-                      </m:accPr>
-                      <m:e>
-                        <m:r>
-                          <a:rPr lang="en-US" sz="2400" i="1" dirty="0">
-                            <a:latin typeface="Cambria Math" panose="02040503050406030204" pitchFamily="18" charset="0"/>
-                          </a:rPr>
-                          <m:t>𝑦</m:t>
-                        </m:r>
-                      </m:e>
-                    </m:acc>
-                    <m:r>
-                      <a:rPr lang="en-US" sz="2400" i="1" dirty="0">
-                        <a:latin typeface="Cambria Math" panose="02040503050406030204" pitchFamily="18" charset="0"/>
-                      </a:rPr>
-                      <m:t>(</m:t>
-                    </m:r>
-                    <m:r>
-                      <a:rPr lang="en-US" sz="2400" i="1" dirty="0">
-                        <a:latin typeface="Cambria Math" panose="02040503050406030204" pitchFamily="18" charset="0"/>
-                      </a:rPr>
-                      <m:t>𝑡</m:t>
-                    </m:r>
-                    <m:r>
-                      <a:rPr lang="ru-RU" sz="2400" i="1" dirty="0">
-                        <a:latin typeface="Cambria Math" panose="02040503050406030204" pitchFamily="18" charset="0"/>
-                      </a:rPr>
-                      <m:t>+</m:t>
-                    </m:r>
-                    <m:r>
-                      <a:rPr lang="en-US" sz="2400" i="1" dirty="0">
-                        <a:latin typeface="Cambria Math" panose="02040503050406030204" pitchFamily="18" charset="0"/>
-                      </a:rPr>
-                      <m:t>h</m:t>
-                    </m:r>
-                    <m:r>
-                      <a:rPr lang="en-US" sz="2400" i="1" dirty="0">
-                        <a:latin typeface="Cambria Math" panose="02040503050406030204" pitchFamily="18" charset="0"/>
-                      </a:rPr>
-                      <m:t>) =</m:t>
-                    </m:r>
-                    <m:f>
-                      <m:fPr>
-                        <m:ctrlPr>
-                          <a:rPr lang="en-US" sz="2400" i="1">
-                            <a:latin typeface="Cambria Math" panose="02040503050406030204" pitchFamily="18" charset="0"/>
-                          </a:rPr>
-                        </m:ctrlPr>
-                      </m:fPr>
-                      <m:num>
-                        <m:r>
-                          <a:rPr lang="en-US" sz="2400" i="1">
-                            <a:latin typeface="Cambria Math" panose="02040503050406030204" pitchFamily="18" charset="0"/>
-                          </a:rPr>
-                          <m:t>1</m:t>
-                        </m:r>
-                      </m:num>
-                      <m:den>
-                        <m:r>
-                          <a:rPr lang="en-US" sz="2400" i="1">
-                            <a:latin typeface="Cambria Math" panose="02040503050406030204" pitchFamily="18" charset="0"/>
-                          </a:rPr>
-                          <m:t>𝑚</m:t>
-                        </m:r>
-                      </m:den>
-                    </m:f>
-                    <m:nary>
-                      <m:naryPr>
-                        <m:chr m:val="∑"/>
-                        <m:limLoc m:val="undOvr"/>
-                        <m:ctrlPr>
-                          <a:rPr lang="en-US" sz="2400" i="1">
-                            <a:latin typeface="Cambria Math" panose="02040503050406030204" pitchFamily="18" charset="0"/>
-                          </a:rPr>
-                        </m:ctrlPr>
-                      </m:naryPr>
-                      <m:sub>
-                        <m:r>
-                          <a:rPr lang="en-US" sz="2400" i="1">
-                            <a:latin typeface="Cambria Math" panose="02040503050406030204" pitchFamily="18" charset="0"/>
-                          </a:rPr>
-                          <m:t>𝑖</m:t>
-                        </m:r>
-                        <m:r>
-                          <a:rPr lang="en-US" sz="2400" i="1">
-                            <a:latin typeface="Cambria Math" panose="02040503050406030204" pitchFamily="18" charset="0"/>
-                          </a:rPr>
-                          <m:t>=</m:t>
-                        </m:r>
-                        <m:r>
-                          <a:rPr lang="en-US" sz="2400" b="0" i="1" smtClean="0">
-                            <a:latin typeface="Cambria Math" panose="02040503050406030204" pitchFamily="18" charset="0"/>
-                          </a:rPr>
-                          <m:t>𝑡</m:t>
-                        </m:r>
-                      </m:sub>
-                      <m:sup>
-                        <m:r>
-                          <a:rPr lang="en-US" sz="2400" b="0" i="1" smtClean="0">
-                            <a:latin typeface="Cambria Math" panose="02040503050406030204" pitchFamily="18" charset="0"/>
-                          </a:rPr>
-                          <m:t>𝑡</m:t>
-                        </m:r>
-                        <m:r>
-                          <a:rPr lang="en-US" sz="2400" i="1">
-                            <a:latin typeface="Cambria Math" panose="02040503050406030204" pitchFamily="18" charset="0"/>
-                          </a:rPr>
-                          <m:t>+</m:t>
-                        </m:r>
-                        <m:r>
-                          <a:rPr lang="en-US" sz="2400" b="0" i="1" smtClean="0">
-                            <a:latin typeface="Cambria Math" panose="02040503050406030204" pitchFamily="18" charset="0"/>
-                          </a:rPr>
-                          <m:t>h</m:t>
-                        </m:r>
-                      </m:sup>
-                      <m:e>
-                        <m:r>
-                          <a:rPr lang="en-US" sz="2400" b="0" i="1" smtClean="0">
-                            <a:latin typeface="Cambria Math" panose="02040503050406030204" pitchFamily="18" charset="0"/>
-                          </a:rPr>
-                          <m:t>𝑦</m:t>
-                        </m:r>
-                        <m:r>
-                          <a:rPr lang="en-US" sz="2400" b="0" i="1" smtClean="0">
-                            <a:latin typeface="Cambria Math" panose="02040503050406030204" pitchFamily="18" charset="0"/>
-                          </a:rPr>
-                          <m:t>(</m:t>
-                        </m:r>
-                        <m:r>
-                          <a:rPr lang="en-US" sz="2400" b="0" i="1" smtClean="0">
-                            <a:latin typeface="Cambria Math" panose="02040503050406030204" pitchFamily="18" charset="0"/>
-                          </a:rPr>
-                          <m:t>𝑖</m:t>
-                        </m:r>
-                        <m:r>
-                          <a:rPr lang="en-US" sz="2400" b="0" i="1" smtClean="0">
-                            <a:latin typeface="Cambria Math" panose="02040503050406030204" pitchFamily="18" charset="0"/>
-                          </a:rPr>
-                          <m:t>)</m:t>
-                        </m:r>
-                      </m:e>
-                    </m:nary>
-                  </m:oMath>
-                </a14:m>
-                <a:r>
-                  <a:rPr lang="ru-RU" sz="2400" dirty="0">
-                    <a:ea typeface="Calibri" panose="020F0502020204030204" pitchFamily="34" charset="0"/>
-                    <a:cs typeface="Times New Roman" panose="02020603050405020304" pitchFamily="18" charset="0"/>
-                  </a:rPr>
-                  <a:t>. </a:t>
-                </a:r>
-              </a:p>
-              <a:p>
-                <a:r>
-                  <a:rPr lang="ru-RU" sz="2400" b="1" dirty="0"/>
-                  <a:t>Экспоненциальное скользящие среднее</a:t>
-                </a:r>
-                <a:r>
-                  <a:rPr lang="ru-RU" sz="2300" b="1" dirty="0">
-                    <a:ea typeface="Calibri" panose="020F0502020204030204" pitchFamily="34" charset="0"/>
-                    <a:cs typeface="Times New Roman" panose="02020603050405020304" pitchFamily="18" charset="0"/>
-                  </a:rPr>
-                  <a:t> — </a:t>
-                </a:r>
-                <a:r>
-                  <a:rPr lang="ru-RU" sz="2300" dirty="0">
-                    <a:ea typeface="Calibri" panose="020F0502020204030204" pitchFamily="34" charset="0"/>
-                    <a:cs typeface="Times New Roman" panose="02020603050405020304" pitchFamily="18" charset="0"/>
-                  </a:rPr>
-                  <a:t>это </a:t>
-                </a:r>
-              </a:p>
-              <a:p>
-                <a:pPr marL="514350" indent="-514350">
-                  <a:buFont typeface="+mj-lt"/>
-                  <a:buAutoNum type="arabicPeriod"/>
-                </a:pPr>
-                <a14:m>
-                  <m:oMath xmlns:m="http://schemas.openxmlformats.org/officeDocument/2006/math">
-                    <m:sSub>
-                      <m:sSubPr>
-                        <m:ctrlPr>
-                          <a:rPr lang="en-US" sz="2400" i="1">
-                            <a:latin typeface="Cambria Math" panose="02040503050406030204" pitchFamily="18" charset="0"/>
-                          </a:rPr>
-                        </m:ctrlPr>
-                      </m:sSubPr>
-                      <m:e>
-                        <m:acc>
-                          <m:accPr>
-                            <m:chr m:val="̂"/>
-                            <m:ctrlPr>
-                              <a:rPr lang="en-US" sz="2400" i="1">
-                                <a:latin typeface="Cambria Math" panose="02040503050406030204" pitchFamily="18" charset="0"/>
-                              </a:rPr>
-                            </m:ctrlPr>
-                          </m:accPr>
-                          <m:e>
-                            <m:r>
-                              <a:rPr lang="en-US" sz="2400" i="1">
-                                <a:latin typeface="Cambria Math" panose="02040503050406030204" pitchFamily="18" charset="0"/>
-                              </a:rPr>
-                              <m:t>𝑦</m:t>
-                            </m:r>
-                          </m:e>
-                        </m:acc>
-                      </m:e>
-                      <m:sub>
-                        <m:r>
-                          <a:rPr lang="en-US" sz="2400" i="1">
-                            <a:latin typeface="Cambria Math" panose="02040503050406030204" pitchFamily="18" charset="0"/>
-                          </a:rPr>
-                          <m:t>𝑛</m:t>
-                        </m:r>
-                      </m:sub>
-                    </m:sSub>
-                    <m:r>
-                      <a:rPr lang="en-US" sz="2400" i="1">
-                        <a:latin typeface="Cambria Math" panose="02040503050406030204" pitchFamily="18" charset="0"/>
-                      </a:rPr>
-                      <m:t>=</m:t>
-                    </m:r>
-                    <m:r>
-                      <a:rPr lang="en-US" sz="2400" i="1">
-                        <a:latin typeface="Cambria Math" panose="02040503050406030204" pitchFamily="18" charset="0"/>
-                      </a:rPr>
-                      <m:t>𝛼</m:t>
-                    </m:r>
-                    <m:sSub>
-                      <m:sSubPr>
-                        <m:ctrlPr>
-                          <a:rPr lang="en-US" sz="2400" i="1">
-                            <a:latin typeface="Cambria Math" panose="02040503050406030204" pitchFamily="18" charset="0"/>
-                          </a:rPr>
-                        </m:ctrlPr>
-                      </m:sSubPr>
-                      <m:e>
-                        <m:r>
-                          <a:rPr lang="en-US" sz="2400" i="1">
-                            <a:latin typeface="Cambria Math" panose="02040503050406030204" pitchFamily="18" charset="0"/>
-                          </a:rPr>
-                          <m:t>𝑦</m:t>
-                        </m:r>
-                      </m:e>
-                      <m:sub>
-                        <m:r>
-                          <a:rPr lang="en-US" sz="2400" i="1">
-                            <a:latin typeface="Cambria Math" panose="02040503050406030204" pitchFamily="18" charset="0"/>
-                          </a:rPr>
-                          <m:t>𝑛</m:t>
-                        </m:r>
-                      </m:sub>
-                    </m:sSub>
-                    <m:r>
-                      <a:rPr lang="en-US" sz="2400" i="1">
-                        <a:latin typeface="Cambria Math" panose="02040503050406030204" pitchFamily="18" charset="0"/>
-                      </a:rPr>
-                      <m:t>+(1−</m:t>
-                    </m:r>
-                    <m:r>
-                      <a:rPr lang="en-US" sz="2400" i="1">
-                        <a:latin typeface="Cambria Math" panose="02040503050406030204" pitchFamily="18" charset="0"/>
-                      </a:rPr>
-                      <m:t>𝛼</m:t>
-                    </m:r>
-                    <m:r>
-                      <a:rPr lang="en-US" sz="2400" i="1">
-                        <a:latin typeface="Cambria Math" panose="02040503050406030204" pitchFamily="18" charset="0"/>
-                      </a:rPr>
-                      <m:t>)</m:t>
-                    </m:r>
-                    <m:sSub>
-                      <m:sSubPr>
-                        <m:ctrlPr>
-                          <a:rPr lang="en-US" sz="2400" i="1">
-                            <a:latin typeface="Cambria Math" panose="02040503050406030204" pitchFamily="18" charset="0"/>
-                          </a:rPr>
-                        </m:ctrlPr>
-                      </m:sSubPr>
-                      <m:e>
-                        <m:acc>
-                          <m:accPr>
-                            <m:chr m:val="̂"/>
-                            <m:ctrlPr>
-                              <a:rPr lang="en-US" sz="2400" i="1">
-                                <a:latin typeface="Cambria Math" panose="02040503050406030204" pitchFamily="18" charset="0"/>
-                              </a:rPr>
-                            </m:ctrlPr>
-                          </m:accPr>
-                          <m:e>
-                            <m:r>
-                              <a:rPr lang="en-US" sz="2400" i="1">
-                                <a:latin typeface="Cambria Math" panose="02040503050406030204" pitchFamily="18" charset="0"/>
-                              </a:rPr>
-                              <m:t>𝑦</m:t>
-                            </m:r>
-                          </m:e>
-                        </m:acc>
-                      </m:e>
-                      <m:sub>
-                        <m:r>
-                          <a:rPr lang="en-US" sz="2400" i="1">
-                            <a:latin typeface="Cambria Math" panose="02040503050406030204" pitchFamily="18" charset="0"/>
-                          </a:rPr>
-                          <m:t>𝑛</m:t>
-                        </m:r>
-                        <m:r>
-                          <a:rPr lang="en-US" sz="2400" i="1">
-                            <a:latin typeface="Cambria Math" panose="02040503050406030204" pitchFamily="18" charset="0"/>
-                          </a:rPr>
-                          <m:t>−1</m:t>
-                        </m:r>
-                      </m:sub>
-                    </m:sSub>
-                  </m:oMath>
-                </a14:m>
-                <a:r>
-                  <a:rPr lang="ru-RU" sz="2400" dirty="0"/>
-                  <a:t> </a:t>
-                </a:r>
-              </a:p>
-              <a:p>
-                <a:pPr marL="514350" indent="-514350">
-                  <a:buFont typeface="+mj-lt"/>
-                  <a:buAutoNum type="arabicPeriod"/>
-                </a:pPr>
-                <a14:m>
-                  <m:oMath xmlns:m="http://schemas.openxmlformats.org/officeDocument/2006/math">
-                    <m:sSub>
-                      <m:sSubPr>
-                        <m:ctrlPr>
-                          <a:rPr lang="en-US" sz="2400" i="1">
-                            <a:latin typeface="Cambria Math" panose="02040503050406030204" pitchFamily="18" charset="0"/>
-                          </a:rPr>
-                        </m:ctrlPr>
-                      </m:sSubPr>
-                      <m:e>
-                        <m:acc>
-                          <m:accPr>
-                            <m:chr m:val="̂"/>
-                            <m:ctrlPr>
-                              <a:rPr lang="en-US" sz="2400" i="1">
-                                <a:latin typeface="Cambria Math" panose="02040503050406030204" pitchFamily="18" charset="0"/>
-                              </a:rPr>
-                            </m:ctrlPr>
-                          </m:accPr>
-                          <m:e>
-                            <m:r>
-                              <a:rPr lang="en-US" sz="2400" i="1">
-                                <a:latin typeface="Cambria Math" panose="02040503050406030204" pitchFamily="18" charset="0"/>
-                              </a:rPr>
-                              <m:t>𝑦</m:t>
-                            </m:r>
-                          </m:e>
-                        </m:acc>
-                      </m:e>
-                      <m:sub>
-                        <m:r>
-                          <a:rPr lang="en-US" sz="2400" i="1">
-                            <a:latin typeface="Cambria Math" panose="02040503050406030204" pitchFamily="18" charset="0"/>
-                          </a:rPr>
-                          <m:t>𝑛</m:t>
-                        </m:r>
-                      </m:sub>
-                    </m:sSub>
-                    <m:r>
-                      <a:rPr lang="en-US" sz="2400" i="1">
-                        <a:latin typeface="Cambria Math" panose="02040503050406030204" pitchFamily="18" charset="0"/>
-                      </a:rPr>
-                      <m:t>=</m:t>
-                    </m:r>
-                    <m:f>
-                      <m:fPr>
-                        <m:ctrlPr>
-                          <a:rPr lang="en-US" sz="2400" i="1">
-                            <a:latin typeface="Cambria Math" panose="02040503050406030204" pitchFamily="18" charset="0"/>
-                          </a:rPr>
-                        </m:ctrlPr>
-                      </m:fPr>
-                      <m:num>
-                        <m:r>
-                          <a:rPr lang="en-US" sz="2400" i="1">
-                            <a:latin typeface="Cambria Math" panose="02040503050406030204" pitchFamily="18" charset="0"/>
-                          </a:rPr>
-                          <m:t>1</m:t>
-                        </m:r>
-                      </m:num>
-                      <m:den>
-                        <m:r>
-                          <a:rPr lang="en-US" sz="2400" i="1">
-                            <a:latin typeface="Cambria Math" panose="02040503050406030204" pitchFamily="18" charset="0"/>
-                          </a:rPr>
-                          <m:t>𝑚</m:t>
-                        </m:r>
-                      </m:den>
-                    </m:f>
-                    <m:nary>
-                      <m:naryPr>
-                        <m:chr m:val="∑"/>
-                        <m:limLoc m:val="undOvr"/>
-                        <m:ctrlPr>
-                          <a:rPr lang="en-US" sz="2400" i="1">
-                            <a:latin typeface="Cambria Math" panose="02040503050406030204" pitchFamily="18" charset="0"/>
-                          </a:rPr>
-                        </m:ctrlPr>
-                      </m:naryPr>
-                      <m:sub>
-                        <m:r>
-                          <a:rPr lang="en-US" sz="2400" i="1">
-                            <a:latin typeface="Cambria Math" panose="02040503050406030204" pitchFamily="18" charset="0"/>
-                          </a:rPr>
-                          <m:t>𝑖</m:t>
-                        </m:r>
-                        <m:r>
-                          <a:rPr lang="en-US" sz="2400" i="1">
-                            <a:latin typeface="Cambria Math" panose="02040503050406030204" pitchFamily="18" charset="0"/>
-                          </a:rPr>
-                          <m:t>=</m:t>
-                        </m:r>
-                        <m:r>
-                          <a:rPr lang="en-US" sz="2400" i="1">
-                            <a:latin typeface="Cambria Math" panose="02040503050406030204" pitchFamily="18" charset="0"/>
-                          </a:rPr>
-                          <m:t>𝑡</m:t>
-                        </m:r>
-                      </m:sub>
-                      <m:sup>
-                        <m:r>
-                          <a:rPr lang="en-US" sz="2400" i="1">
-                            <a:latin typeface="Cambria Math" panose="02040503050406030204" pitchFamily="18" charset="0"/>
-                          </a:rPr>
-                          <m:t>𝑡</m:t>
-                        </m:r>
-                        <m:r>
-                          <a:rPr lang="en-US" sz="2400" i="1">
-                            <a:latin typeface="Cambria Math" panose="02040503050406030204" pitchFamily="18" charset="0"/>
-                          </a:rPr>
-                          <m:t>+</m:t>
-                        </m:r>
-                        <m:r>
-                          <a:rPr lang="en-US" sz="2400" i="1">
-                            <a:latin typeface="Cambria Math" panose="02040503050406030204" pitchFamily="18" charset="0"/>
-                          </a:rPr>
-                          <m:t>h</m:t>
-                        </m:r>
-                      </m:sup>
-                      <m:e>
-                        <m:r>
-                          <a:rPr lang="en-US" sz="2400" i="1">
-                            <a:latin typeface="Cambria Math" panose="02040503050406030204" pitchFamily="18" charset="0"/>
-                          </a:rPr>
-                          <m:t>𝑦</m:t>
-                        </m:r>
-                        <m:r>
-                          <a:rPr lang="en-US" sz="2400" i="1">
-                            <a:latin typeface="Cambria Math" panose="02040503050406030204" pitchFamily="18" charset="0"/>
-                          </a:rPr>
-                          <m:t>(</m:t>
-                        </m:r>
-                        <m:r>
-                          <a:rPr lang="en-US" sz="2400" i="1">
-                            <a:latin typeface="Cambria Math" panose="02040503050406030204" pitchFamily="18" charset="0"/>
-                          </a:rPr>
-                          <m:t>𝑖</m:t>
-                        </m:r>
-                        <m:r>
-                          <a:rPr lang="en-US" sz="2400" i="1">
-                            <a:latin typeface="Cambria Math" panose="02040503050406030204" pitchFamily="18" charset="0"/>
-                          </a:rPr>
-                          <m:t>)</m:t>
-                        </m:r>
-                      </m:e>
-                    </m:nary>
-                  </m:oMath>
-                </a14:m>
-                <a:endParaRPr lang="ru-RU" sz="2300" dirty="0">
-                  <a:ea typeface="Calibri" panose="020F0502020204030204" pitchFamily="34" charset="0"/>
-                  <a:cs typeface="Times New Roman" panose="02020603050405020304" pitchFamily="18" charset="0"/>
-                </a:endParaRPr>
-              </a:p>
-              <a:p>
-                <a:pPr marL="514350" indent="-514350">
-                  <a:buFont typeface="+mj-lt"/>
-                  <a:buAutoNum type="arabicPeriod"/>
-                </a:pPr>
-                <a14:m>
-                  <m:oMath xmlns:m="http://schemas.openxmlformats.org/officeDocument/2006/math">
-                    <m:acc>
-                      <m:accPr>
-                        <m:chr m:val="̂"/>
-                        <m:ctrlPr>
-                          <a:rPr lang="en-US" sz="2000" i="1" dirty="0">
-                            <a:latin typeface="Cambria Math" panose="02040503050406030204" pitchFamily="18" charset="0"/>
-                          </a:rPr>
-                        </m:ctrlPr>
-                      </m:accPr>
-                      <m:e>
-                        <m:r>
-                          <a:rPr lang="en-US" sz="2000" i="1" dirty="0">
-                            <a:latin typeface="Cambria Math" panose="02040503050406030204" pitchFamily="18" charset="0"/>
-                          </a:rPr>
-                          <m:t>𝑦</m:t>
-                        </m:r>
-                      </m:e>
-                    </m:acc>
-                    <m:r>
-                      <a:rPr lang="en-US" sz="2000" i="1" dirty="0">
-                        <a:latin typeface="Cambria Math" panose="02040503050406030204" pitchFamily="18" charset="0"/>
-                      </a:rPr>
-                      <m:t>(</m:t>
-                    </m:r>
-                    <m:r>
-                      <a:rPr lang="en-US" sz="2000" i="1" dirty="0">
-                        <a:latin typeface="Cambria Math" panose="02040503050406030204" pitchFamily="18" charset="0"/>
-                      </a:rPr>
-                      <m:t>𝑡</m:t>
-                    </m:r>
-                    <m:r>
-                      <a:rPr lang="ru-RU" sz="2000" i="1" dirty="0">
-                        <a:latin typeface="Cambria Math" panose="02040503050406030204" pitchFamily="18" charset="0"/>
-                      </a:rPr>
-                      <m:t>+</m:t>
-                    </m:r>
-                    <m:r>
-                      <a:rPr lang="en-US" sz="2000" i="1" dirty="0">
-                        <a:latin typeface="Cambria Math" panose="02040503050406030204" pitchFamily="18" charset="0"/>
-                      </a:rPr>
-                      <m:t>h</m:t>
-                    </m:r>
-                    <m:r>
-                      <a:rPr lang="en-US" sz="2000" i="1" dirty="0">
-                        <a:latin typeface="Cambria Math" panose="02040503050406030204" pitchFamily="18" charset="0"/>
-                      </a:rPr>
-                      <m:t>) = </m:t>
-                    </m:r>
-                    <m:r>
-                      <a:rPr lang="en-US" sz="2000" i="1" dirty="0">
-                        <a:latin typeface="Cambria Math" panose="02040503050406030204" pitchFamily="18" charset="0"/>
-                      </a:rPr>
-                      <m:t>𝑦</m:t>
-                    </m:r>
-                    <m:r>
-                      <a:rPr lang="en-US" sz="2000" i="1" dirty="0">
-                        <a:latin typeface="Cambria Math" panose="02040503050406030204" pitchFamily="18" charset="0"/>
-                      </a:rPr>
-                      <m:t>(</m:t>
-                    </m:r>
-                    <m:r>
-                      <a:rPr lang="en-US" sz="2000" i="1" dirty="0">
-                        <a:latin typeface="Cambria Math" panose="02040503050406030204" pitchFamily="18" charset="0"/>
-                      </a:rPr>
-                      <m:t>𝑡</m:t>
-                    </m:r>
-                    <m:r>
-                      <a:rPr lang="en-US" sz="2000" i="1" dirty="0">
-                        <a:latin typeface="Cambria Math" panose="02040503050406030204" pitchFamily="18" charset="0"/>
-                      </a:rPr>
-                      <m:t>)</m:t>
-                    </m:r>
-                  </m:oMath>
-                </a14:m>
-                <a:endParaRPr lang="ru-RU" sz="2300" dirty="0">
-                  <a:ea typeface="Calibri" panose="020F0502020204030204" pitchFamily="34" charset="0"/>
-                  <a:cs typeface="Times New Roman" panose="02020603050405020304" pitchFamily="18" charset="0"/>
-                </a:endParaRPr>
-              </a:p>
-              <a:p>
-                <a:pPr marL="514350" indent="-514350">
-                  <a:buFont typeface="+mj-lt"/>
-                  <a:buAutoNum type="arabicPeriod"/>
-                </a:pPr>
-                <a14:m>
-                  <m:oMath xmlns:m="http://schemas.openxmlformats.org/officeDocument/2006/math">
-                    <m:acc>
-                      <m:accPr>
-                        <m:chr m:val="̂"/>
-                        <m:ctrlPr>
-                          <a:rPr lang="en-US" sz="2000" i="1" dirty="0">
-                            <a:latin typeface="Cambria Math" panose="02040503050406030204" pitchFamily="18" charset="0"/>
-                          </a:rPr>
-                        </m:ctrlPr>
-                      </m:accPr>
-                      <m:e>
-                        <m:r>
-                          <a:rPr lang="en-US" sz="2000" i="1" dirty="0">
-                            <a:latin typeface="Cambria Math" panose="02040503050406030204" pitchFamily="18" charset="0"/>
-                          </a:rPr>
-                          <m:t>𝑦</m:t>
-                        </m:r>
-                      </m:e>
-                    </m:acc>
-                    <m:r>
-                      <a:rPr lang="en-US" sz="2000" i="1" dirty="0">
-                        <a:latin typeface="Cambria Math" panose="02040503050406030204" pitchFamily="18" charset="0"/>
-                      </a:rPr>
-                      <m:t>(</m:t>
-                    </m:r>
-                    <m:r>
-                      <a:rPr lang="en-US" sz="2000" i="1" dirty="0">
-                        <a:latin typeface="Cambria Math" panose="02040503050406030204" pitchFamily="18" charset="0"/>
-                      </a:rPr>
-                      <m:t>𝑇</m:t>
-                    </m:r>
-                    <m:r>
-                      <a:rPr lang="ru-RU" sz="2000" i="1" dirty="0">
-                        <a:latin typeface="Cambria Math" panose="02040503050406030204" pitchFamily="18" charset="0"/>
-                      </a:rPr>
-                      <m:t>+</m:t>
-                    </m:r>
-                    <m:r>
-                      <a:rPr lang="en-US" sz="2000" i="1" dirty="0">
-                        <a:latin typeface="Cambria Math" panose="02040503050406030204" pitchFamily="18" charset="0"/>
-                      </a:rPr>
-                      <m:t>h</m:t>
-                    </m:r>
-                    <m:r>
-                      <a:rPr lang="en-US" sz="2000" i="1" dirty="0">
-                        <a:latin typeface="Cambria Math" panose="02040503050406030204" pitchFamily="18" charset="0"/>
-                      </a:rPr>
-                      <m:t>) = </m:t>
-                    </m:r>
-                    <m:r>
-                      <a:rPr lang="en-US" sz="2000" i="1" dirty="0">
-                        <a:latin typeface="Cambria Math" panose="02040503050406030204" pitchFamily="18" charset="0"/>
-                      </a:rPr>
-                      <m:t>𝑦</m:t>
-                    </m:r>
-                    <m:r>
-                      <a:rPr lang="en-US" sz="2000" i="1" dirty="0">
-                        <a:latin typeface="Cambria Math" panose="02040503050406030204" pitchFamily="18" charset="0"/>
-                      </a:rPr>
-                      <m:t>(</m:t>
-                    </m:r>
-                    <m:r>
-                      <a:rPr lang="en-US" sz="2000" i="1" dirty="0">
-                        <a:latin typeface="Cambria Math" panose="02040503050406030204" pitchFamily="18" charset="0"/>
-                      </a:rPr>
-                      <m:t>𝑇</m:t>
-                    </m:r>
-                    <m:r>
-                      <a:rPr lang="ru-RU" sz="2000" i="1" dirty="0">
-                        <a:latin typeface="Cambria Math" panose="02040503050406030204" pitchFamily="18" charset="0"/>
-                      </a:rPr>
-                      <m:t>+</m:t>
-                    </m:r>
-                    <m:r>
-                      <a:rPr lang="en-US" sz="2000" i="1" dirty="0">
-                        <a:latin typeface="Cambria Math" panose="02040503050406030204" pitchFamily="18" charset="0"/>
-                      </a:rPr>
-                      <m:t>h</m:t>
-                    </m:r>
-                    <m:r>
-                      <a:rPr lang="en-US" sz="2000" i="1" dirty="0">
-                        <a:latin typeface="Cambria Math" panose="02040503050406030204" pitchFamily="18" charset="0"/>
-                      </a:rPr>
-                      <m:t>−</m:t>
-                    </m:r>
-                    <m:r>
-                      <a:rPr lang="en-US" sz="2000" i="1" dirty="0">
-                        <a:latin typeface="Cambria Math" panose="02040503050406030204" pitchFamily="18" charset="0"/>
-                      </a:rPr>
-                      <m:t>𝑚</m:t>
-                    </m:r>
-                    <m:r>
-                      <a:rPr lang="en-US" sz="2000" i="1" dirty="0">
-                        <a:latin typeface="Cambria Math" panose="02040503050406030204" pitchFamily="18" charset="0"/>
-                      </a:rPr>
-                      <m:t>(</m:t>
-                    </m:r>
-                    <m:r>
-                      <a:rPr lang="en-US" sz="2000" i="1" dirty="0">
-                        <a:latin typeface="Cambria Math" panose="02040503050406030204" pitchFamily="18" charset="0"/>
-                      </a:rPr>
-                      <m:t>𝑘</m:t>
-                    </m:r>
-                    <m:r>
-                      <a:rPr lang="en-US" sz="2000" i="1" dirty="0">
-                        <a:latin typeface="Cambria Math" panose="02040503050406030204" pitchFamily="18" charset="0"/>
-                      </a:rPr>
-                      <m:t>+1)).</m:t>
-                    </m:r>
-                  </m:oMath>
-                </a14:m>
-                <a:endParaRPr lang="ru-RU" sz="2400" b="1" dirty="0"/>
-              </a:p>
-              <a:p>
-                <a:r>
-                  <a:rPr lang="ru-RU" sz="2400" b="1" dirty="0"/>
-                  <a:t>Тройное экспоненциальное среднее включает </a:t>
-                </a:r>
-              </a:p>
-              <a:p>
-                <a:pPr marL="514350" indent="-514350">
-                  <a:buFont typeface="+mj-lt"/>
-                  <a:buAutoNum type="arabicPeriod"/>
-                </a:pPr>
-                <a:r>
-                  <a:rPr lang="ru-RU" sz="2000" dirty="0"/>
-                  <a:t>Уровень, тренд и сезонность</a:t>
-                </a:r>
-              </a:p>
-              <a:p>
-                <a:pPr marL="514350" indent="-514350">
-                  <a:buFont typeface="+mj-lt"/>
-                  <a:buAutoNum type="arabicPeriod"/>
-                </a:pPr>
-                <a:r>
-                  <a:rPr lang="ru-RU" sz="2000" dirty="0"/>
-                  <a:t>Средний уровень, </a:t>
-                </a:r>
-              </a:p>
-              <a:p>
-                <a:pPr marL="514350" indent="-514350">
-                  <a:buFont typeface="+mj-lt"/>
-                  <a:buAutoNum type="arabicPeriod"/>
-                </a:pPr>
-                <a:r>
-                  <a:rPr lang="ru-RU" sz="2400" dirty="0"/>
-                  <a:t>Уровень, тренд </a:t>
-                </a:r>
-              </a:p>
-              <a:p>
-                <a:pPr marL="514350" indent="-514350">
-                  <a:buFont typeface="+mj-lt"/>
-                  <a:buAutoNum type="arabicPeriod"/>
-                </a:pPr>
-                <a:r>
-                  <a:rPr lang="ru-RU" sz="2400" dirty="0"/>
-                  <a:t>Только сезонность</a:t>
-                </a:r>
-              </a:p>
-              <a:p>
-                <a:pPr marL="514350" indent="-514350">
-                  <a:buFont typeface="+mj-lt"/>
-                  <a:buAutoNum type="arabicPeriod"/>
-                </a:pPr>
-                <a:endParaRPr lang="ru-RU" dirty="0">
-                  <a:ea typeface="Calibri" panose="020F0502020204030204" pitchFamily="34" charset="0"/>
-                  <a:cs typeface="Times New Roman" panose="02020603050405020304" pitchFamily="18" charset="0"/>
-                </a:endParaRPr>
-              </a:p>
-            </p:txBody>
-          </p:sp>
-        </mc:Choice>
-        <mc:Fallback xmlns="">
-          <p:sp>
-            <p:nvSpPr>
-              <p:cNvPr id="3" name="Объект 2">
-                <a:extLst>
-                  <a:ext uri="{FF2B5EF4-FFF2-40B4-BE49-F238E27FC236}">
-                    <a16:creationId xmlns:a16="http://schemas.microsoft.com/office/drawing/2014/main" id="{BE421393-E6D9-4C04-F323-217F01E33B93}"/>
-                  </a:ext>
-                </a:extLst>
-              </p:cNvPr>
-              <p:cNvSpPr>
-                <a:spLocks noGrp="1" noRot="1" noChangeAspect="1" noMove="1" noResize="1" noEditPoints="1" noAdjustHandles="1" noChangeArrowheads="1" noChangeShapeType="1" noTextEdit="1"/>
-              </p:cNvSpPr>
-              <p:nvPr>
-                <p:ph idx="1"/>
-              </p:nvPr>
-            </p:nvSpPr>
-            <p:spPr>
-              <a:xfrm>
-                <a:off x="506506" y="1129096"/>
-                <a:ext cx="10515600" cy="5135887"/>
-              </a:xfrm>
-              <a:blipFill>
-                <a:blip r:embed="rId2"/>
-                <a:stretch>
-                  <a:fillRect l="-638" t="-2135" b="-1542"/>
-                </a:stretch>
-              </a:blipFill>
-            </p:spPr>
-            <p:txBody>
-              <a:bodyPr/>
-              <a:lstStyle/>
-              <a:p>
-                <a:r>
-                  <a:rPr lang="ru-RU">
-                    <a:noFill/>
-                  </a:rPr>
-                  <a:t> </a:t>
-                </a:r>
-              </a:p>
-            </p:txBody>
-          </p:sp>
-        </mc:Fallback>
-      </mc:AlternateContent>
-    </p:spTree>
-    <p:extLst>
-      <p:ext uri="{BB962C8B-B14F-4D97-AF65-F5344CB8AC3E}">
-        <p14:creationId xmlns:p14="http://schemas.microsoft.com/office/powerpoint/2010/main" val="4109369951"/>
-      </p:ext>
-    </p:extLst>
-  </p:cSld>
-  <p:clrMapOvr>
-    <a:masterClrMapping/>
-  </p:clrMapOvr>
+  <p:timing>
+    <p:tnLst>
+      <p:par>
+        <p:cTn id="1" dur="indefinite" restart="never" nodeType="tmRoot"/>
+      </p:par>
+    </p:tnLst>
+  </p:timing>
 </p:sld>
 </file>
 
@@ -7303,8 +6050,8 @@
           </a:p>
         </p:txBody>
       </p:sp>
-      <mc:AlternateContent xmlns:mc="http://schemas.openxmlformats.org/markup-compatibility/2006">
-        <mc:Choice xmlns:a14="http://schemas.microsoft.com/office/drawing/2010/main" Requires="a14">
+      <mc:AlternateContent xmlns:mc="http://schemas.openxmlformats.org/markup-compatibility/2006" xmlns:a14="http://schemas.microsoft.com/office/drawing/2010/main">
+        <mc:Choice Requires="a14">
           <p:sp>
             <p:nvSpPr>
               <p:cNvPr id="3" name="Объект 2">
@@ -7898,7 +6645,7 @@
             </p:txBody>
           </p:sp>
         </mc:Choice>
-        <mc:Fallback>
+        <mc:Fallback xmlns="">
           <p:sp>
             <p:nvSpPr>
               <p:cNvPr id="3" name="Объект 2">
@@ -7976,1054 +6723,13 @@
   <p:clrMapOvr>
     <a:masterClrMapping/>
   </p:clrMapOvr>
-</p:sld>
-</file>
-
-<file path=ppt/slides/slide20.xml><?xml version="1.0" encoding="utf-8"?>
-<p:sld xmlns:a="http://schemas.openxmlformats.org/drawingml/2006/main" xmlns:r="http://schemas.openxmlformats.org/officeDocument/2006/relationships" xmlns:p="http://schemas.openxmlformats.org/presentationml/2006/main">
-  <p:cSld>
-    <p:spTree>
-      <p:nvGrpSpPr>
-        <p:cNvPr id="1" name=""/>
-        <p:cNvGrpSpPr/>
-        <p:nvPr/>
-      </p:nvGrpSpPr>
-      <p:grpSpPr>
-        <a:xfrm>
-          <a:off x="0" y="0"/>
-          <a:ext cx="0" cy="0"/>
-          <a:chOff x="0" y="0"/>
-          <a:chExt cx="0" cy="0"/>
-        </a:xfrm>
-      </p:grpSpPr>
-      <p:sp>
-        <p:nvSpPr>
-          <p:cNvPr id="2" name="Заголовок 1">
-            <a:extLst>
-              <a:ext uri="{FF2B5EF4-FFF2-40B4-BE49-F238E27FC236}">
-                <a16:creationId xmlns:a16="http://schemas.microsoft.com/office/drawing/2014/main" id="{E5E18C16-493F-C0F6-1226-B953C44BB2B9}"/>
-              </a:ext>
-            </a:extLst>
-          </p:cNvPr>
-          <p:cNvSpPr>
-            <a:spLocks noGrp="1"/>
-          </p:cNvSpPr>
-          <p:nvPr>
-            <p:ph type="title"/>
-          </p:nvPr>
-        </p:nvSpPr>
-        <p:spPr>
-          <a:xfrm>
-            <a:off x="398929" y="0"/>
-            <a:ext cx="10515600" cy="1325563"/>
-          </a:xfrm>
-        </p:spPr>
-        <p:txBody>
-          <a:bodyPr>
-            <a:normAutofit/>
-          </a:bodyPr>
-          <a:lstStyle/>
-          <a:p>
-            <a:r>
-              <a:rPr lang="ru-RU" sz="4800" b="1" dirty="0"/>
-              <a:t>Вопросы Продвинутые </a:t>
-            </a:r>
-            <a:r>
-              <a:rPr lang="en-US" sz="4800" b="1" dirty="0"/>
-              <a:t>(X)-</a:t>
-            </a:r>
-            <a:r>
-              <a:rPr lang="ru-RU" sz="4800" b="1" dirty="0"/>
-              <a:t>верно</a:t>
-            </a:r>
-          </a:p>
-        </p:txBody>
-      </p:sp>
-      <mc:AlternateContent xmlns:mc="http://schemas.openxmlformats.org/markup-compatibility/2006" xmlns:a14="http://schemas.microsoft.com/office/drawing/2010/main">
-        <mc:Choice Requires="a14">
-          <p:sp>
-            <p:nvSpPr>
-              <p:cNvPr id="3" name="Объект 2">
-                <a:extLst>
-                  <a:ext uri="{FF2B5EF4-FFF2-40B4-BE49-F238E27FC236}">
-                    <a16:creationId xmlns:a16="http://schemas.microsoft.com/office/drawing/2014/main" id="{BE421393-E6D9-4C04-F323-217F01E33B93}"/>
-                  </a:ext>
-                </a:extLst>
-              </p:cNvPr>
-              <p:cNvSpPr>
-                <a:spLocks noGrp="1"/>
-              </p:cNvSpPr>
-              <p:nvPr>
-                <p:ph idx="1"/>
-              </p:nvPr>
-            </p:nvSpPr>
-            <p:spPr>
-              <a:xfrm>
-                <a:off x="398928" y="1075309"/>
-                <a:ext cx="11551645" cy="3970354"/>
-              </a:xfrm>
-            </p:spPr>
-            <p:txBody>
-              <a:bodyPr>
-                <a:normAutofit fontScale="85000" lnSpcReduction="20000"/>
-              </a:bodyPr>
-              <a:lstStyle/>
-              <a:p>
-                <a:pPr lvl="0"/>
-                <a:r>
-                  <a:rPr lang="ru-RU" sz="2000" b="1" dirty="0"/>
-                  <a:t>Выберите наиболее подходящий метод случая на изображении  ВР </a:t>
-                </a:r>
-                <a:r>
-                  <a:rPr lang="ru-RU" sz="2000" dirty="0"/>
-                  <a:t>.</a:t>
-                </a:r>
-                <a:r>
-                  <a:rPr lang="ru-RU" sz="2300" b="1" dirty="0">
-                    <a:ea typeface="Calibri" panose="020F0502020204030204" pitchFamily="34" charset="0"/>
-                    <a:cs typeface="Times New Roman" panose="02020603050405020304" pitchFamily="18" charset="0"/>
-                  </a:rPr>
-                  <a:t> </a:t>
-                </a:r>
-              </a:p>
-              <a:p>
-                <a:pPr marL="971550" lvl="1" indent="-514350">
-                  <a:buFont typeface="+mj-lt"/>
-                  <a:buAutoNum type="arabicPeriod"/>
-                </a:pPr>
-                <a:r>
-                  <a:rPr lang="ru-RU" dirty="0">
-                    <a:cs typeface="Times New Roman" panose="02020603050405020304" pitchFamily="18" charset="0"/>
-                  </a:rPr>
-                  <a:t>Модель </a:t>
-                </a:r>
-                <a:r>
-                  <a:rPr lang="ru-RU" dirty="0" err="1">
-                    <a:cs typeface="Times New Roman" panose="02020603050405020304" pitchFamily="18" charset="0"/>
-                  </a:rPr>
-                  <a:t>Хольта-Винтерса</a:t>
-                </a:r>
-                <a:r>
-                  <a:rPr lang="ru-RU" dirty="0">
-                    <a:cs typeface="Times New Roman" panose="02020603050405020304" pitchFamily="18" charset="0"/>
-                  </a:rPr>
-                  <a:t> </a:t>
-                </a:r>
-                <a:r>
-                  <a:rPr lang="en-US" dirty="0">
-                    <a:cs typeface="Times New Roman" panose="02020603050405020304" pitchFamily="18" charset="0"/>
-                  </a:rPr>
-                  <a:t>(x)</a:t>
-                </a:r>
-                <a:endParaRPr lang="ru-RU" dirty="0">
-                  <a:cs typeface="Times New Roman" panose="02020603050405020304" pitchFamily="18" charset="0"/>
-                </a:endParaRPr>
-              </a:p>
-              <a:p>
-                <a:pPr marL="971550" lvl="1" indent="-514350">
-                  <a:buFont typeface="+mj-lt"/>
-                  <a:buAutoNum type="arabicPeriod"/>
-                </a:pPr>
-                <a:r>
-                  <a:rPr lang="ru-RU" dirty="0">
-                    <a:cs typeface="Times New Roman" panose="02020603050405020304" pitchFamily="18" charset="0"/>
-                  </a:rPr>
-                  <a:t>Наивная сезонная модель</a:t>
-                </a:r>
-              </a:p>
-              <a:p>
-                <a:pPr marL="971550" lvl="1" indent="-514350">
-                  <a:buFont typeface="+mj-lt"/>
-                  <a:buAutoNum type="arabicPeriod"/>
-                </a:pPr>
-                <a:r>
-                  <a:rPr lang="ru-RU" dirty="0">
-                    <a:cs typeface="Times New Roman" panose="02020603050405020304" pitchFamily="18" charset="0"/>
-                  </a:rPr>
-                  <a:t>Скользящее среднее</a:t>
-                </a:r>
-              </a:p>
-              <a:p>
-                <a:pPr marL="971550" lvl="1" indent="-514350">
-                  <a:buFont typeface="+mj-lt"/>
-                  <a:buAutoNum type="arabicPeriod"/>
-                </a:pPr>
-                <a:r>
-                  <a:rPr lang="en-US" dirty="0">
-                    <a:cs typeface="Times New Roman" panose="02020603050405020304" pitchFamily="18" charset="0"/>
-                  </a:rPr>
-                  <a:t>ETS(A,N,N)</a:t>
-                </a:r>
-                <a:endParaRPr lang="ru-RU" dirty="0">
-                  <a:cs typeface="Times New Roman" panose="02020603050405020304" pitchFamily="18" charset="0"/>
-                </a:endParaRPr>
-              </a:p>
-              <a:p>
-                <a:pPr marL="971550" lvl="1" indent="-514350">
-                  <a:buFont typeface="+mj-lt"/>
-                  <a:buAutoNum type="arabicPeriod"/>
-                </a:pPr>
-                <a:r>
-                  <a:rPr lang="ru-RU" dirty="0">
-                    <a:cs typeface="Times New Roman" panose="02020603050405020304" pitchFamily="18" charset="0"/>
-                  </a:rPr>
-                  <a:t>Простое экспоненциальное сглаживание</a:t>
-                </a:r>
-              </a:p>
-              <a:p>
-                <a:r>
-                  <a:rPr lang="ru-RU" sz="2000" b="1" dirty="0"/>
-                  <a:t>Расставьте соответствие формул и названий методов</a:t>
-                </a:r>
-              </a:p>
-              <a:p>
-                <a:pPr marL="457200" indent="-457200">
-                  <a:buFont typeface="+mj-lt"/>
-                  <a:buAutoNum type="arabicPeriod"/>
-                </a:pPr>
-                <a14:m>
-                  <m:oMath xmlns:m="http://schemas.openxmlformats.org/officeDocument/2006/math">
-                    <m:sSub>
-                      <m:sSubPr>
-                        <m:ctrlPr>
-                          <a:rPr lang="en-US" sz="2000" i="1">
-                            <a:latin typeface="Cambria Math" panose="02040503050406030204" pitchFamily="18" charset="0"/>
-                          </a:rPr>
-                        </m:ctrlPr>
-                      </m:sSubPr>
-                      <m:e>
-                        <m:r>
-                          <a:rPr lang="en-US" sz="2000" i="1">
-                            <a:latin typeface="Cambria Math" panose="02040503050406030204" pitchFamily="18" charset="0"/>
-                          </a:rPr>
-                          <m:t>𝑦</m:t>
-                        </m:r>
-                      </m:e>
-                      <m:sub>
-                        <m:r>
-                          <a:rPr lang="en-US" sz="2000" i="1">
-                            <a:latin typeface="Cambria Math" panose="02040503050406030204" pitchFamily="18" charset="0"/>
-                          </a:rPr>
-                          <m:t>𝑚𝑎</m:t>
-                        </m:r>
-                      </m:sub>
-                    </m:sSub>
-                    <m:r>
-                      <a:rPr lang="en-US" sz="2000" i="1">
-                        <a:latin typeface="Cambria Math" panose="02040503050406030204" pitchFamily="18" charset="0"/>
-                      </a:rPr>
-                      <m:t>(</m:t>
-                    </m:r>
-                    <m:r>
-                      <a:rPr lang="en-US" sz="2000" i="1">
-                        <a:latin typeface="Cambria Math" panose="02040503050406030204" pitchFamily="18" charset="0"/>
-                      </a:rPr>
-                      <m:t>𝑛</m:t>
-                    </m:r>
-                    <m:r>
-                      <a:rPr lang="en-US" sz="2000" i="1">
-                        <a:latin typeface="Cambria Math" panose="02040503050406030204" pitchFamily="18" charset="0"/>
-                      </a:rPr>
-                      <m:t>)=</m:t>
-                    </m:r>
-                    <m:f>
-                      <m:fPr>
-                        <m:ctrlPr>
-                          <a:rPr lang="en-US" sz="2000" i="1">
-                            <a:latin typeface="Cambria Math" panose="02040503050406030204" pitchFamily="18" charset="0"/>
-                          </a:rPr>
-                        </m:ctrlPr>
-                      </m:fPr>
-                      <m:num>
-                        <m:r>
-                          <a:rPr lang="en-US" sz="2000" i="1">
-                            <a:latin typeface="Cambria Math" panose="02040503050406030204" pitchFamily="18" charset="0"/>
-                          </a:rPr>
-                          <m:t>1</m:t>
-                        </m:r>
-                      </m:num>
-                      <m:den>
-                        <m:r>
-                          <a:rPr lang="en-US" sz="2000" i="1">
-                            <a:latin typeface="Cambria Math" panose="02040503050406030204" pitchFamily="18" charset="0"/>
-                          </a:rPr>
-                          <m:t>𝑚</m:t>
-                        </m:r>
-                      </m:den>
-                    </m:f>
-                    <m:nary>
-                      <m:naryPr>
-                        <m:chr m:val="∑"/>
-                        <m:limLoc m:val="undOvr"/>
-                        <m:ctrlPr>
-                          <a:rPr lang="en-US" sz="2000" i="1">
-                            <a:latin typeface="Cambria Math" panose="02040503050406030204" pitchFamily="18" charset="0"/>
-                          </a:rPr>
-                        </m:ctrlPr>
-                      </m:naryPr>
-                      <m:sub>
-                        <m:r>
-                          <a:rPr lang="en-US" sz="2000" i="1">
-                            <a:latin typeface="Cambria Math" panose="02040503050406030204" pitchFamily="18" charset="0"/>
-                          </a:rPr>
-                          <m:t>𝑖</m:t>
-                        </m:r>
-                        <m:r>
-                          <a:rPr lang="en-US" sz="2000" i="1">
-                            <a:latin typeface="Cambria Math" panose="02040503050406030204" pitchFamily="18" charset="0"/>
-                          </a:rPr>
-                          <m:t>=</m:t>
-                        </m:r>
-                        <m:r>
-                          <a:rPr lang="en-US" sz="2000" i="1">
-                            <a:latin typeface="Cambria Math" panose="02040503050406030204" pitchFamily="18" charset="0"/>
-                          </a:rPr>
-                          <m:t>𝑛</m:t>
-                        </m:r>
-                        <m:r>
-                          <a:rPr lang="en-US" sz="2000" i="1">
-                            <a:latin typeface="Cambria Math" panose="02040503050406030204" pitchFamily="18" charset="0"/>
-                          </a:rPr>
-                          <m:t>−</m:t>
-                        </m:r>
-                        <m:r>
-                          <a:rPr lang="en-US" sz="2000" i="1">
-                            <a:latin typeface="Cambria Math" panose="02040503050406030204" pitchFamily="18" charset="0"/>
-                          </a:rPr>
-                          <m:t>𝑚</m:t>
-                        </m:r>
-                      </m:sub>
-                      <m:sup>
-                        <m:r>
-                          <a:rPr lang="en-US" sz="2000" i="1">
-                            <a:latin typeface="Cambria Math" panose="02040503050406030204" pitchFamily="18" charset="0"/>
-                          </a:rPr>
-                          <m:t>𝑛</m:t>
-                        </m:r>
-                      </m:sup>
-                      <m:e>
-                        <m:sSub>
-                          <m:sSubPr>
-                            <m:ctrlPr>
-                              <a:rPr lang="en-US" sz="2000" i="1">
-                                <a:latin typeface="Cambria Math" panose="02040503050406030204" pitchFamily="18" charset="0"/>
-                              </a:rPr>
-                            </m:ctrlPr>
-                          </m:sSubPr>
-                          <m:e>
-                            <m:r>
-                              <a:rPr lang="en-US" sz="2000" i="1">
-                                <a:latin typeface="Cambria Math" panose="02040503050406030204" pitchFamily="18" charset="0"/>
-                              </a:rPr>
-                              <m:t>𝑤</m:t>
-                            </m:r>
-                          </m:e>
-                          <m:sub>
-                            <m:r>
-                              <a:rPr lang="en-US" sz="2000" i="1">
-                                <a:latin typeface="Cambria Math" panose="02040503050406030204" pitchFamily="18" charset="0"/>
-                              </a:rPr>
-                              <m:t>𝑖</m:t>
-                            </m:r>
-                          </m:sub>
-                        </m:sSub>
-                      </m:e>
-                    </m:nary>
-                    <m:sSub>
-                      <m:sSubPr>
-                        <m:ctrlPr>
-                          <a:rPr lang="en-US" sz="2000" i="1">
-                            <a:latin typeface="Cambria Math" panose="02040503050406030204" pitchFamily="18" charset="0"/>
-                          </a:rPr>
-                        </m:ctrlPr>
-                      </m:sSubPr>
-                      <m:e>
-                        <m:r>
-                          <a:rPr lang="en-US" sz="2000" i="1">
-                            <a:latin typeface="Cambria Math" panose="02040503050406030204" pitchFamily="18" charset="0"/>
-                          </a:rPr>
-                          <m:t>𝑦</m:t>
-                        </m:r>
-                      </m:e>
-                      <m:sub>
-                        <m:r>
-                          <a:rPr lang="en-US" sz="2000" i="1">
-                            <a:latin typeface="Cambria Math" panose="02040503050406030204" pitchFamily="18" charset="0"/>
-                          </a:rPr>
-                          <m:t>𝑖</m:t>
-                        </m:r>
-                      </m:sub>
-                    </m:sSub>
-                  </m:oMath>
-                </a14:m>
-                <a:r>
-                  <a:rPr lang="ru-RU" sz="2000" b="1" dirty="0"/>
-                  <a:t> - взвешенное скользящее среднее</a:t>
-                </a:r>
-              </a:p>
-              <a:p>
-                <a:pPr marL="457200" indent="-457200">
-                  <a:buFont typeface="+mj-lt"/>
-                  <a:buAutoNum type="arabicPeriod"/>
-                </a:pPr>
-                <a14:m>
-                  <m:oMath xmlns:m="http://schemas.openxmlformats.org/officeDocument/2006/math">
-                    <m:sSub>
-                      <m:sSubPr>
-                        <m:ctrlPr>
-                          <a:rPr lang="en-US" sz="2000" i="1">
-                            <a:latin typeface="Cambria Math" panose="02040503050406030204" pitchFamily="18" charset="0"/>
-                          </a:rPr>
-                        </m:ctrlPr>
-                      </m:sSubPr>
-                      <m:e>
-                        <m:acc>
-                          <m:accPr>
-                            <m:chr m:val="̂"/>
-                            <m:ctrlPr>
-                              <a:rPr lang="en-US" sz="2000" i="1">
-                                <a:latin typeface="Cambria Math" panose="02040503050406030204" pitchFamily="18" charset="0"/>
-                              </a:rPr>
-                            </m:ctrlPr>
-                          </m:accPr>
-                          <m:e>
-                            <m:r>
-                              <a:rPr lang="en-US" sz="2000" i="1">
-                                <a:latin typeface="Cambria Math" panose="02040503050406030204" pitchFamily="18" charset="0"/>
-                              </a:rPr>
-                              <m:t>𝑦</m:t>
-                            </m:r>
-                          </m:e>
-                        </m:acc>
-                      </m:e>
-                      <m:sub>
-                        <m:r>
-                          <a:rPr lang="en-US" sz="2000" i="1">
-                            <a:latin typeface="Cambria Math" panose="02040503050406030204" pitchFamily="18" charset="0"/>
-                          </a:rPr>
-                          <m:t>𝑛</m:t>
-                        </m:r>
-                        <m:r>
-                          <a:rPr lang="en-US" sz="2000" i="1">
-                            <a:latin typeface="Cambria Math" panose="02040503050406030204" pitchFamily="18" charset="0"/>
-                          </a:rPr>
-                          <m:t>+</m:t>
-                        </m:r>
-                        <m:r>
-                          <a:rPr lang="en-US" sz="2000" i="1">
-                            <a:latin typeface="Cambria Math" panose="02040503050406030204" pitchFamily="18" charset="0"/>
-                          </a:rPr>
-                          <m:t>𝑚</m:t>
-                        </m:r>
-                      </m:sub>
-                    </m:sSub>
-                    <m:r>
-                      <a:rPr lang="en-US" sz="2000" i="1">
-                        <a:latin typeface="Cambria Math" panose="02040503050406030204" pitchFamily="18" charset="0"/>
-                      </a:rPr>
-                      <m:t>=</m:t>
-                    </m:r>
-                    <m:sSub>
-                      <m:sSubPr>
-                        <m:ctrlPr>
-                          <a:rPr lang="en-US" sz="2000" i="1">
-                            <a:latin typeface="Cambria Math" panose="02040503050406030204" pitchFamily="18" charset="0"/>
-                          </a:rPr>
-                        </m:ctrlPr>
-                      </m:sSubPr>
-                      <m:e>
-                        <m:r>
-                          <a:rPr lang="en-US" sz="2000" i="1">
-                            <a:latin typeface="Cambria Math" panose="02040503050406030204" pitchFamily="18" charset="0"/>
-                          </a:rPr>
-                          <m:t>𝑙</m:t>
-                        </m:r>
-                      </m:e>
-                      <m:sub>
-                        <m:r>
-                          <a:rPr lang="en-US" sz="2000" i="1">
-                            <a:latin typeface="Cambria Math" panose="02040503050406030204" pitchFamily="18" charset="0"/>
-                          </a:rPr>
-                          <m:t>𝑛</m:t>
-                        </m:r>
-                      </m:sub>
-                    </m:sSub>
-                    <m:r>
-                      <a:rPr lang="en-US" sz="2000" i="1">
-                        <a:latin typeface="Cambria Math" panose="02040503050406030204" pitchFamily="18" charset="0"/>
-                      </a:rPr>
-                      <m:t>+</m:t>
-                    </m:r>
-                    <m:r>
-                      <a:rPr lang="en-US" sz="2000" i="1">
-                        <a:latin typeface="Cambria Math" panose="02040503050406030204" pitchFamily="18" charset="0"/>
-                      </a:rPr>
-                      <m:t>𝑚</m:t>
-                    </m:r>
-                    <m:sSub>
-                      <m:sSubPr>
-                        <m:ctrlPr>
-                          <a:rPr lang="en-US" sz="2000" i="1">
-                            <a:latin typeface="Cambria Math" panose="02040503050406030204" pitchFamily="18" charset="0"/>
-                          </a:rPr>
-                        </m:ctrlPr>
-                      </m:sSubPr>
-                      <m:e>
-                        <m:r>
-                          <a:rPr lang="en-US" sz="2000" i="1">
-                            <a:latin typeface="Cambria Math" panose="02040503050406030204" pitchFamily="18" charset="0"/>
-                          </a:rPr>
-                          <m:t>𝑏</m:t>
-                        </m:r>
-                      </m:e>
-                      <m:sub>
-                        <m:r>
-                          <a:rPr lang="en-US" sz="2000" i="1">
-                            <a:latin typeface="Cambria Math" panose="02040503050406030204" pitchFamily="18" charset="0"/>
-                          </a:rPr>
-                          <m:t>𝑛</m:t>
-                        </m:r>
-                      </m:sub>
-                    </m:sSub>
-                    <m:r>
-                      <a:rPr lang="en-US" sz="2000" i="1">
-                        <a:latin typeface="Cambria Math" panose="02040503050406030204" pitchFamily="18" charset="0"/>
-                      </a:rPr>
-                      <m:t>+</m:t>
-                    </m:r>
-                    <m:sSub>
-                      <m:sSubPr>
-                        <m:ctrlPr>
-                          <a:rPr lang="en-US" sz="2000" i="1">
-                            <a:latin typeface="Cambria Math" panose="02040503050406030204" pitchFamily="18" charset="0"/>
-                          </a:rPr>
-                        </m:ctrlPr>
-                      </m:sSubPr>
-                      <m:e>
-                        <m:r>
-                          <a:rPr lang="en-US" sz="2000" i="1">
-                            <a:latin typeface="Cambria Math" panose="02040503050406030204" pitchFamily="18" charset="0"/>
-                          </a:rPr>
-                          <m:t>𝑠</m:t>
-                        </m:r>
-                      </m:e>
-                      <m:sub>
-                        <m:r>
-                          <a:rPr lang="en-US" sz="2000" i="1">
-                            <a:latin typeface="Cambria Math" panose="02040503050406030204" pitchFamily="18" charset="0"/>
-                          </a:rPr>
-                          <m:t>𝑛</m:t>
-                        </m:r>
-                        <m:r>
-                          <a:rPr lang="en-US" sz="2000" i="1">
-                            <a:latin typeface="Cambria Math" panose="02040503050406030204" pitchFamily="18" charset="0"/>
-                          </a:rPr>
-                          <m:t>−</m:t>
-                        </m:r>
-                        <m:r>
-                          <a:rPr lang="en-US" sz="2000" i="1">
-                            <a:latin typeface="Cambria Math" panose="02040503050406030204" pitchFamily="18" charset="0"/>
-                          </a:rPr>
-                          <m:t>𝐿</m:t>
-                        </m:r>
-                        <m:r>
-                          <a:rPr lang="en-US" sz="2000" i="1">
-                            <a:latin typeface="Cambria Math" panose="02040503050406030204" pitchFamily="18" charset="0"/>
-                          </a:rPr>
-                          <m:t>+1+(</m:t>
-                        </m:r>
-                        <m:r>
-                          <a:rPr lang="en-US" sz="2000" i="1">
-                            <a:latin typeface="Cambria Math" panose="02040503050406030204" pitchFamily="18" charset="0"/>
-                          </a:rPr>
-                          <m:t>𝑚</m:t>
-                        </m:r>
-                        <m:r>
-                          <a:rPr lang="en-US" sz="2000" i="1">
-                            <a:latin typeface="Cambria Math" panose="02040503050406030204" pitchFamily="18" charset="0"/>
-                          </a:rPr>
-                          <m:t>−1)</m:t>
-                        </m:r>
-                        <m:r>
-                          <a:rPr lang="en-US" sz="2000" i="1">
-                            <a:latin typeface="Cambria Math" panose="02040503050406030204" pitchFamily="18" charset="0"/>
-                          </a:rPr>
-                          <m:t>𝑚𝑜𝑑𝐿</m:t>
-                        </m:r>
-                      </m:sub>
-                    </m:sSub>
-                  </m:oMath>
-                </a14:m>
-                <a:r>
-                  <a:rPr lang="ru-RU" sz="2000" b="1" dirty="0"/>
-                  <a:t> - модель </a:t>
-                </a:r>
-                <a:r>
-                  <a:rPr lang="ru-RU" sz="2000" dirty="0" err="1">
-                    <a:cs typeface="Times New Roman" panose="02020603050405020304" pitchFamily="18" charset="0"/>
-                  </a:rPr>
-                  <a:t>Хольта-Винтерса</a:t>
-                </a:r>
-                <a:endParaRPr lang="ru-RU" sz="2000" dirty="0">
-                  <a:cs typeface="Times New Roman" panose="02020603050405020304" pitchFamily="18" charset="0"/>
-                </a:endParaRPr>
-              </a:p>
-              <a:p>
-                <a:pPr marL="457200" indent="-457200">
-                  <a:buFont typeface="+mj-lt"/>
-                  <a:buAutoNum type="arabicPeriod"/>
-                </a:pPr>
-                <a14:m>
-                  <m:oMath xmlns:m="http://schemas.openxmlformats.org/officeDocument/2006/math">
-                    <m:sSub>
-                      <m:sSubPr>
-                        <m:ctrlPr>
-                          <a:rPr lang="en-US" sz="2000" i="1">
-                            <a:latin typeface="Cambria Math" panose="02040503050406030204" pitchFamily="18" charset="0"/>
-                          </a:rPr>
-                        </m:ctrlPr>
-                      </m:sSubPr>
-                      <m:e>
-                        <m:acc>
-                          <m:accPr>
-                            <m:chr m:val="̂"/>
-                            <m:ctrlPr>
-                              <a:rPr lang="en-US" sz="2000" i="1">
-                                <a:latin typeface="Cambria Math" panose="02040503050406030204" pitchFamily="18" charset="0"/>
-                              </a:rPr>
-                            </m:ctrlPr>
-                          </m:accPr>
-                          <m:e>
-                            <m:r>
-                              <a:rPr lang="en-US" sz="2000" i="1">
-                                <a:latin typeface="Cambria Math" panose="02040503050406030204" pitchFamily="18" charset="0"/>
-                              </a:rPr>
-                              <m:t>𝑦</m:t>
-                            </m:r>
-                          </m:e>
-                        </m:acc>
-                      </m:e>
-                      <m:sub>
-                        <m:r>
-                          <a:rPr lang="en-US" sz="2000" i="1">
-                            <a:latin typeface="Cambria Math" panose="02040503050406030204" pitchFamily="18" charset="0"/>
-                          </a:rPr>
-                          <m:t>𝑛</m:t>
-                        </m:r>
-                        <m:r>
-                          <a:rPr lang="en-US" sz="2000" i="1">
-                            <a:latin typeface="Cambria Math" panose="02040503050406030204" pitchFamily="18" charset="0"/>
-                          </a:rPr>
-                          <m:t>+1</m:t>
-                        </m:r>
-                      </m:sub>
-                    </m:sSub>
-                    <m:r>
-                      <a:rPr lang="en-US" sz="2000" i="1">
-                        <a:latin typeface="Cambria Math" panose="02040503050406030204" pitchFamily="18" charset="0"/>
-                      </a:rPr>
-                      <m:t>=</m:t>
-                    </m:r>
-                    <m:sSub>
-                      <m:sSubPr>
-                        <m:ctrlPr>
-                          <a:rPr lang="en-US" sz="2000" i="1">
-                            <a:latin typeface="Cambria Math" panose="02040503050406030204" pitchFamily="18" charset="0"/>
-                          </a:rPr>
-                        </m:ctrlPr>
-                      </m:sSubPr>
-                      <m:e>
-                        <m:r>
-                          <a:rPr lang="en-US" sz="2000" i="1">
-                            <a:latin typeface="Cambria Math" panose="02040503050406030204" pitchFamily="18" charset="0"/>
-                          </a:rPr>
-                          <m:t>𝑙</m:t>
-                        </m:r>
-                      </m:e>
-                      <m:sub>
-                        <m:r>
-                          <a:rPr lang="en-US" sz="2000" i="1">
-                            <a:latin typeface="Cambria Math" panose="02040503050406030204" pitchFamily="18" charset="0"/>
-                          </a:rPr>
-                          <m:t>𝑛</m:t>
-                        </m:r>
-                      </m:sub>
-                    </m:sSub>
-                    <m:r>
-                      <a:rPr lang="en-US" sz="2000" i="1">
-                        <a:latin typeface="Cambria Math" panose="02040503050406030204" pitchFamily="18" charset="0"/>
-                      </a:rPr>
-                      <m:t>+</m:t>
-                    </m:r>
-                    <m:sSub>
-                      <m:sSubPr>
-                        <m:ctrlPr>
-                          <a:rPr lang="en-US" sz="2000" i="1">
-                            <a:latin typeface="Cambria Math" panose="02040503050406030204" pitchFamily="18" charset="0"/>
-                          </a:rPr>
-                        </m:ctrlPr>
-                      </m:sSubPr>
-                      <m:e>
-                        <m:r>
-                          <a:rPr lang="en-US" sz="2000" i="1">
-                            <a:latin typeface="Cambria Math" panose="02040503050406030204" pitchFamily="18" charset="0"/>
-                          </a:rPr>
-                          <m:t>𝑏</m:t>
-                        </m:r>
-                      </m:e>
-                      <m:sub>
-                        <m:r>
-                          <a:rPr lang="en-US" sz="2000" i="1">
-                            <a:latin typeface="Cambria Math" panose="02040503050406030204" pitchFamily="18" charset="0"/>
-                          </a:rPr>
-                          <m:t>𝑛</m:t>
-                        </m:r>
-                      </m:sub>
-                    </m:sSub>
-                  </m:oMath>
-                </a14:m>
-                <a:r>
-                  <a:rPr lang="ru-RU" sz="2000" b="1" dirty="0"/>
-                  <a:t> - двойное экспоненциальное сглаживание</a:t>
-                </a:r>
-              </a:p>
-              <a:p>
-                <a:pPr marL="457200" indent="-457200">
-                  <a:buFont typeface="+mj-lt"/>
-                  <a:buAutoNum type="arabicPeriod"/>
-                </a:pPr>
-                <a14:m>
-                  <m:oMath xmlns:m="http://schemas.openxmlformats.org/officeDocument/2006/math">
-                    <m:acc>
-                      <m:accPr>
-                        <m:chr m:val="̂"/>
-                        <m:ctrlPr>
-                          <a:rPr lang="en-US" sz="2000" i="1" dirty="0">
-                            <a:latin typeface="Cambria Math" panose="02040503050406030204" pitchFamily="18" charset="0"/>
-                          </a:rPr>
-                        </m:ctrlPr>
-                      </m:accPr>
-                      <m:e>
-                        <m:r>
-                          <a:rPr lang="en-US" sz="2000" i="1" dirty="0">
-                            <a:latin typeface="Cambria Math" panose="02040503050406030204" pitchFamily="18" charset="0"/>
-                          </a:rPr>
-                          <m:t>𝑦</m:t>
-                        </m:r>
-                      </m:e>
-                    </m:acc>
-                    <m:r>
-                      <a:rPr lang="en-US" sz="2000" i="1" dirty="0">
-                        <a:latin typeface="Cambria Math" panose="02040503050406030204" pitchFamily="18" charset="0"/>
-                      </a:rPr>
-                      <m:t>(</m:t>
-                    </m:r>
-                    <m:r>
-                      <a:rPr lang="en-US" sz="2000" i="1" dirty="0">
-                        <a:latin typeface="Cambria Math" panose="02040503050406030204" pitchFamily="18" charset="0"/>
-                      </a:rPr>
-                      <m:t>𝑇</m:t>
-                    </m:r>
-                    <m:r>
-                      <a:rPr lang="ru-RU" sz="2000" i="1" dirty="0">
-                        <a:latin typeface="Cambria Math" panose="02040503050406030204" pitchFamily="18" charset="0"/>
-                      </a:rPr>
-                      <m:t>+</m:t>
-                    </m:r>
-                    <m:r>
-                      <a:rPr lang="en-US" sz="2000" i="1" dirty="0">
-                        <a:latin typeface="Cambria Math" panose="02040503050406030204" pitchFamily="18" charset="0"/>
-                      </a:rPr>
-                      <m:t>h</m:t>
-                    </m:r>
-                    <m:r>
-                      <a:rPr lang="en-US" sz="2000" i="1" dirty="0">
-                        <a:latin typeface="Cambria Math" panose="02040503050406030204" pitchFamily="18" charset="0"/>
-                      </a:rPr>
-                      <m:t>) = </m:t>
-                    </m:r>
-                    <m:r>
-                      <a:rPr lang="en-US" sz="2000" i="1" dirty="0">
-                        <a:latin typeface="Cambria Math" panose="02040503050406030204" pitchFamily="18" charset="0"/>
-                      </a:rPr>
-                      <m:t>𝑦</m:t>
-                    </m:r>
-                    <m:r>
-                      <a:rPr lang="en-US" sz="2000" i="1" dirty="0">
-                        <a:latin typeface="Cambria Math" panose="02040503050406030204" pitchFamily="18" charset="0"/>
-                      </a:rPr>
-                      <m:t>(</m:t>
-                    </m:r>
-                    <m:r>
-                      <a:rPr lang="en-US" sz="2000" i="1" dirty="0">
-                        <a:latin typeface="Cambria Math" panose="02040503050406030204" pitchFamily="18" charset="0"/>
-                      </a:rPr>
-                      <m:t>𝑇</m:t>
-                    </m:r>
-                    <m:r>
-                      <a:rPr lang="ru-RU" sz="2000" i="1" dirty="0">
-                        <a:latin typeface="Cambria Math" panose="02040503050406030204" pitchFamily="18" charset="0"/>
-                      </a:rPr>
-                      <m:t>+</m:t>
-                    </m:r>
-                    <m:r>
-                      <a:rPr lang="en-US" sz="2000" i="1" dirty="0">
-                        <a:latin typeface="Cambria Math" panose="02040503050406030204" pitchFamily="18" charset="0"/>
-                      </a:rPr>
-                      <m:t>h</m:t>
-                    </m:r>
-                    <m:r>
-                      <a:rPr lang="en-US" sz="2000" i="1" dirty="0">
-                        <a:latin typeface="Cambria Math" panose="02040503050406030204" pitchFamily="18" charset="0"/>
-                      </a:rPr>
-                      <m:t>−</m:t>
-                    </m:r>
-                    <m:r>
-                      <a:rPr lang="en-US" sz="2000" i="1" dirty="0">
-                        <a:latin typeface="Cambria Math" panose="02040503050406030204" pitchFamily="18" charset="0"/>
-                      </a:rPr>
-                      <m:t>𝑚</m:t>
-                    </m:r>
-                    <m:r>
-                      <a:rPr lang="en-US" sz="2000" i="1" dirty="0">
-                        <a:latin typeface="Cambria Math" panose="02040503050406030204" pitchFamily="18" charset="0"/>
-                      </a:rPr>
-                      <m:t>(</m:t>
-                    </m:r>
-                    <m:r>
-                      <a:rPr lang="en-US" sz="2000" i="1" dirty="0">
-                        <a:latin typeface="Cambria Math" panose="02040503050406030204" pitchFamily="18" charset="0"/>
-                      </a:rPr>
-                      <m:t>𝑘</m:t>
-                    </m:r>
-                    <m:r>
-                      <a:rPr lang="en-US" sz="2000" i="1" dirty="0">
-                        <a:latin typeface="Cambria Math" panose="02040503050406030204" pitchFamily="18" charset="0"/>
-                      </a:rPr>
-                      <m:t>+1))</m:t>
-                    </m:r>
-                  </m:oMath>
-                </a14:m>
-                <a:r>
-                  <a:rPr lang="ru-RU" sz="2000" b="1" dirty="0"/>
-                  <a:t> – сезонное наивное предсказание</a:t>
-                </a:r>
-              </a:p>
-              <a:p>
-                <a:pPr marL="457200" lvl="1" indent="0">
-                  <a:buNone/>
-                </a:pPr>
-                <a:endParaRPr lang="ru-RU" sz="2300" b="1" dirty="0">
-                  <a:ea typeface="Calibri" panose="020F0502020204030204" pitchFamily="34" charset="0"/>
-                  <a:cs typeface="Times New Roman" panose="02020603050405020304" pitchFamily="18" charset="0"/>
-                </a:endParaRPr>
-              </a:p>
-              <a:p>
-                <a:pPr marL="228600" lvl="1"/>
-                <a:r>
-                  <a:rPr lang="ru-RU" sz="2000" b="1" dirty="0"/>
-                  <a:t>Соотнести параметры тренда и сезонности моделей </a:t>
-                </a:r>
-                <a:r>
-                  <a:rPr lang="en-US" sz="2000" b="1" dirty="0"/>
-                  <a:t>ETS </a:t>
-                </a:r>
-                <a:r>
-                  <a:rPr lang="ru-RU" sz="2000" b="1" dirty="0"/>
-                  <a:t>с описанием методов </a:t>
-                </a:r>
-                <a:endParaRPr lang="ru-RU" sz="2000" dirty="0">
-                  <a:cs typeface="Times New Roman" panose="02020603050405020304" pitchFamily="18" charset="0"/>
-                </a:endParaRPr>
-              </a:p>
-              <a:p>
-                <a:pPr marL="914400" lvl="1" indent="-457200">
-                  <a:buFont typeface="+mj-lt"/>
-                  <a:buAutoNum type="arabicPeriod"/>
-                </a:pPr>
-                <a:endParaRPr lang="ru-RU" sz="2000" dirty="0">
-                  <a:cs typeface="Times New Roman" panose="02020603050405020304" pitchFamily="18" charset="0"/>
-                </a:endParaRPr>
-              </a:p>
-              <a:p>
-                <a:pPr marL="914400" lvl="1" indent="-457200">
-                  <a:buFont typeface="+mj-lt"/>
-                  <a:buAutoNum type="arabicPeriod"/>
-                </a:pPr>
-                <a:endParaRPr lang="ru-RU" sz="1900" dirty="0">
-                  <a:ea typeface="Calibri" panose="020F0502020204030204" pitchFamily="34" charset="0"/>
-                  <a:cs typeface="Times New Roman" panose="02020603050405020304" pitchFamily="18" charset="0"/>
-                </a:endParaRPr>
-              </a:p>
-              <a:p>
-                <a:pPr marL="914400" lvl="1" indent="-457200">
-                  <a:buFont typeface="+mj-lt"/>
-                  <a:buAutoNum type="arabicPeriod"/>
-                </a:pPr>
-                <a:endParaRPr lang="ru-RU" sz="1900" dirty="0">
-                  <a:ea typeface="Calibri" panose="020F0502020204030204" pitchFamily="34" charset="0"/>
-                  <a:cs typeface="Times New Roman" panose="02020603050405020304" pitchFamily="18" charset="0"/>
-                </a:endParaRPr>
-              </a:p>
-              <a:p>
-                <a:pPr marL="914400" lvl="1" indent="-457200">
-                  <a:buFont typeface="+mj-lt"/>
-                  <a:buAutoNum type="arabicPeriod"/>
-                </a:pPr>
-                <a:endParaRPr lang="ru-RU" sz="1900" b="1" dirty="0">
-                  <a:ea typeface="Calibri" panose="020F0502020204030204" pitchFamily="34" charset="0"/>
-                  <a:cs typeface="Times New Roman" panose="02020603050405020304" pitchFamily="18" charset="0"/>
-                </a:endParaRPr>
-              </a:p>
-            </p:txBody>
-          </p:sp>
-        </mc:Choice>
-        <mc:Fallback xmlns="">
-          <p:sp>
-            <p:nvSpPr>
-              <p:cNvPr id="3" name="Объект 2">
-                <a:extLst>
-                  <a:ext uri="{FF2B5EF4-FFF2-40B4-BE49-F238E27FC236}">
-                    <a16:creationId xmlns:a16="http://schemas.microsoft.com/office/drawing/2014/main" id="{BE421393-E6D9-4C04-F323-217F01E33B93}"/>
-                  </a:ext>
-                </a:extLst>
-              </p:cNvPr>
-              <p:cNvSpPr>
-                <a:spLocks noGrp="1" noRot="1" noChangeAspect="1" noMove="1" noResize="1" noEditPoints="1" noAdjustHandles="1" noChangeArrowheads="1" noChangeShapeType="1" noTextEdit="1"/>
-              </p:cNvSpPr>
-              <p:nvPr>
-                <p:ph idx="1"/>
-              </p:nvPr>
-            </p:nvSpPr>
-            <p:spPr>
-              <a:xfrm>
-                <a:off x="398928" y="1075309"/>
-                <a:ext cx="11551645" cy="3970354"/>
-              </a:xfrm>
-              <a:blipFill>
-                <a:blip r:embed="rId2"/>
-                <a:stretch>
-                  <a:fillRect l="-317" t="-1534"/>
-                </a:stretch>
-              </a:blipFill>
-            </p:spPr>
-            <p:txBody>
-              <a:bodyPr/>
-              <a:lstStyle/>
-              <a:p>
-                <a:r>
-                  <a:rPr lang="ru-RU">
-                    <a:noFill/>
-                  </a:rPr>
-                  <a:t> </a:t>
-                </a:r>
-              </a:p>
-            </p:txBody>
-          </p:sp>
-        </mc:Fallback>
-      </mc:AlternateContent>
-      <p:pic>
-        <p:nvPicPr>
-          <p:cNvPr id="19" name="Picture 2" descr="Python Code on Holt-Winters Forecasting | by Etqad Khan | Analytics Vidhya  | Medium">
-            <a:extLst>
-              <a:ext uri="{FF2B5EF4-FFF2-40B4-BE49-F238E27FC236}">
-                <a16:creationId xmlns:a16="http://schemas.microsoft.com/office/drawing/2014/main" id="{D5C4C1CE-A0C0-B2FC-0EBA-0B85AFB438A4}"/>
-              </a:ext>
-            </a:extLst>
-          </p:cNvPr>
-          <p:cNvPicPr>
-            <a:picLocks noChangeAspect="1" noChangeArrowheads="1"/>
-          </p:cNvPicPr>
-          <p:nvPr/>
-        </p:nvPicPr>
-        <p:blipFill rotWithShape="1">
-          <a:blip r:embed="rId3" cstate="hqprint">
-            <a:extLst>
-              <a:ext uri="{28A0092B-C50C-407E-A947-70E740481C1C}">
-                <a14:useLocalDpi xmlns:a14="http://schemas.microsoft.com/office/drawing/2010/main" val="0"/>
-              </a:ext>
-            </a:extLst>
-          </a:blip>
-          <a:srcRect t="7215" b="5324"/>
-          <a:stretch/>
-        </p:blipFill>
-        <p:spPr bwMode="auto">
-          <a:xfrm>
-            <a:off x="7515709" y="984071"/>
-            <a:ext cx="3048000" cy="1959204"/>
-          </a:xfrm>
-          <a:prstGeom prst="rect">
-            <a:avLst/>
-          </a:prstGeom>
-          <a:noFill/>
-          <a:extLst>
-            <a:ext uri="{909E8E84-426E-40DD-AFC4-6F175D3DCCD1}">
-              <a14:hiddenFill xmlns:a14="http://schemas.microsoft.com/office/drawing/2010/main">
-                <a:solidFill>
-                  <a:srgbClr val="FFFFFF"/>
-                </a:solidFill>
-              </a14:hiddenFill>
-            </a:ext>
-          </a:extLst>
-        </p:spPr>
-      </p:pic>
-      <p:pic>
-        <p:nvPicPr>
-          <p:cNvPr id="22" name="Picture 2" descr="image.png">
-            <a:extLst>
-              <a:ext uri="{FF2B5EF4-FFF2-40B4-BE49-F238E27FC236}">
-                <a16:creationId xmlns:a16="http://schemas.microsoft.com/office/drawing/2014/main" id="{E999FA23-97A6-4F16-9311-538B4CC7C6C5}"/>
-              </a:ext>
-            </a:extLst>
-          </p:cNvPr>
-          <p:cNvPicPr>
-            <a:picLocks noChangeAspect="1" noChangeArrowheads="1"/>
-          </p:cNvPicPr>
-          <p:nvPr/>
-        </p:nvPicPr>
-        <p:blipFill>
-          <a:blip r:embed="rId4">
-            <a:extLst>
-              <a:ext uri="{28A0092B-C50C-407E-A947-70E740481C1C}">
-                <a14:useLocalDpi xmlns:a14="http://schemas.microsoft.com/office/drawing/2010/main" val="0"/>
-              </a:ext>
-            </a:extLst>
-          </a:blip>
-          <a:srcRect/>
-          <a:stretch>
-            <a:fillRect/>
-          </a:stretch>
-        </p:blipFill>
-        <p:spPr bwMode="auto">
-          <a:xfrm>
-            <a:off x="1398493" y="4909954"/>
-            <a:ext cx="7303435" cy="1732892"/>
-          </a:xfrm>
-          <a:prstGeom prst="rect">
-            <a:avLst/>
-          </a:prstGeom>
-          <a:noFill/>
-          <a:extLst>
-            <a:ext uri="{909E8E84-426E-40DD-AFC4-6F175D3DCCD1}">
-              <a14:hiddenFill xmlns:a14="http://schemas.microsoft.com/office/drawing/2010/main">
-                <a:solidFill>
-                  <a:srgbClr val="FFFFFF"/>
-                </a:solidFill>
-              </a14:hiddenFill>
-            </a:ext>
-          </a:extLst>
-        </p:spPr>
-      </p:pic>
-    </p:spTree>
-    <p:extLst>
-      <p:ext uri="{BB962C8B-B14F-4D97-AF65-F5344CB8AC3E}">
-        <p14:creationId xmlns:p14="http://schemas.microsoft.com/office/powerpoint/2010/main" val="1283776660"/>
-      </p:ext>
-    </p:extLst>
-  </p:cSld>
-  <p:clrMapOvr>
-    <a:masterClrMapping/>
-  </p:clrMapOvr>
+  <p:timing>
+    <p:tnLst>
+      <p:par>
+        <p:cTn id="1" dur="indefinite" restart="never" nodeType="tmRoot"/>
+      </p:par>
+    </p:tnLst>
+  </p:timing>
 </p:sld>
 </file>
 
@@ -9177,6 +6883,13 @@
   <p:clrMapOvr>
     <a:masterClrMapping/>
   </p:clrMapOvr>
+  <p:timing>
+    <p:tnLst>
+      <p:par>
+        <p:cTn id="1" dur="indefinite" restart="never" nodeType="tmRoot"/>
+      </p:par>
+    </p:tnLst>
+  </p:timing>
 </p:sld>
 </file>
 
@@ -9920,6 +7633,13 @@
   <p:clrMapOvr>
     <a:masterClrMapping/>
   </p:clrMapOvr>
+  <p:timing>
+    <p:tnLst>
+      <p:par>
+        <p:cTn id="1" dur="indefinite" restart="never" nodeType="tmRoot"/>
+      </p:par>
+    </p:tnLst>
+  </p:timing>
 </p:sld>
 </file>
 
@@ -10505,6 +8225,13 @@
   <p:clrMapOvr>
     <a:masterClrMapping/>
   </p:clrMapOvr>
+  <p:timing>
+    <p:tnLst>
+      <p:par>
+        <p:cTn id="1" dur="indefinite" restart="never" nodeType="tmRoot"/>
+      </p:par>
+    </p:tnLst>
+  </p:timing>
 </p:sld>
 </file>
 
@@ -10979,6 +8706,10 @@
                 </a:r>
               </a:p>
               <a:p>
+                <a:r>
+                  <a:rPr lang="ru-RU" sz="2000" dirty="0"/>
+                  <a:t/>
+                </a:r>
                 <a:br>
                   <a:rPr lang="ru-RU" sz="2000" dirty="0"/>
                 </a:br>
@@ -11097,6 +8828,13 @@
   <p:clrMapOvr>
     <a:masterClrMapping/>
   </p:clrMapOvr>
+  <p:timing>
+    <p:tnLst>
+      <p:par>
+        <p:cTn id="1" dur="indefinite" restart="never" nodeType="tmRoot"/>
+      </p:par>
+    </p:tnLst>
+  </p:timing>
 </p:sld>
 </file>
 
@@ -12025,6 +9763,13 @@
   <p:clrMapOvr>
     <a:masterClrMapping/>
   </p:clrMapOvr>
+  <p:timing>
+    <p:tnLst>
+      <p:par>
+        <p:cTn id="1" dur="indefinite" restart="never" nodeType="tmRoot"/>
+      </p:par>
+    </p:tnLst>
+  </p:timing>
 </p:sld>
 </file>
 
@@ -13473,6 +11218,13 @@
   <p:clrMapOvr>
     <a:masterClrMapping/>
   </p:clrMapOvr>
+  <p:timing>
+    <p:tnLst>
+      <p:par>
+        <p:cTn id="1" dur="indefinite" restart="never" nodeType="tmRoot"/>
+      </p:par>
+    </p:tnLst>
+  </p:timing>
 </p:sld>
 </file>
 
@@ -14636,6 +12388,13 @@
   <p:clrMapOvr>
     <a:masterClrMapping/>
   </p:clrMapOvr>
+  <p:timing>
+    <p:tnLst>
+      <p:par>
+        <p:cTn id="1" dur="indefinite" restart="never" nodeType="tmRoot"/>
+      </p:par>
+    </p:tnLst>
+  </p:timing>
 </p:sld>
 </file>
 
